--- a/Tp_Final_Rodriguez.pptx
+++ b/Tp_Final_Rodriguez.pptx
@@ -10,19 +10,22 @@
     <p:sldId id="258" r:id="rId4"/>
     <p:sldId id="259" r:id="rId5"/>
     <p:sldId id="260" r:id="rId6"/>
-    <p:sldId id="262" r:id="rId7"/>
-    <p:sldId id="263" r:id="rId8"/>
-    <p:sldId id="264" r:id="rId9"/>
-    <p:sldId id="265" r:id="rId10"/>
-    <p:sldId id="261" r:id="rId11"/>
-    <p:sldId id="271" r:id="rId12"/>
-    <p:sldId id="266" r:id="rId13"/>
-    <p:sldId id="272" r:id="rId14"/>
-    <p:sldId id="273" r:id="rId15"/>
-    <p:sldId id="267" r:id="rId16"/>
-    <p:sldId id="268" r:id="rId17"/>
-    <p:sldId id="269" r:id="rId18"/>
-    <p:sldId id="270" r:id="rId19"/>
+    <p:sldId id="274" r:id="rId7"/>
+    <p:sldId id="261" r:id="rId8"/>
+    <p:sldId id="262" r:id="rId9"/>
+    <p:sldId id="263" r:id="rId10"/>
+    <p:sldId id="264" r:id="rId11"/>
+    <p:sldId id="265" r:id="rId12"/>
+    <p:sldId id="271" r:id="rId13"/>
+    <p:sldId id="266" r:id="rId14"/>
+    <p:sldId id="272" r:id="rId15"/>
+    <p:sldId id="273" r:id="rId16"/>
+    <p:sldId id="267" r:id="rId17"/>
+    <p:sldId id="268" r:id="rId18"/>
+    <p:sldId id="269" r:id="rId19"/>
+    <p:sldId id="270" r:id="rId20"/>
+    <p:sldId id="275" r:id="rId21"/>
+    <p:sldId id="276" r:id="rId22"/>
   </p:sldIdLst>
   <p:sldSz cx="12192000" cy="6858000"/>
   <p:notesSz cx="6858000" cy="9144000"/>
@@ -138,6 +141,7 @@
     <p1510:client id="{D7F6D08A-1FEC-4FB3-9581-6C4FBA8B4829}" v="99" dt="2023-08-14T01:48:54.909"/>
     <p1510:client id="{E2F62E71-F0E0-4681-9DBA-B4F0C5619098}" v="1145" dt="2023-08-15T03:02:32.936"/>
     <p1510:client id="{E9313721-CA13-4DAD-81C5-224DEDE82A86}" v="1252" dt="2023-08-14T01:01:16.455"/>
+    <p1510:client id="{ED7C2BA4-B773-498F-A4CD-F59A4DB17F2E}" v="351" dt="2023-09-12T03:17:33.259"/>
     <p1510:client id="{EF0076CA-C1F8-4230-B3F7-B84B66B76894}" v="108" dt="2023-08-15T03:12:42.326"/>
   </p1510:revLst>
 </p1510:revInfo>
@@ -458,7 +462,7 @@
             <a:fld id="{1449AA12-8195-4182-A7AC-2E7E59DFBDAF}" type="datetimeFigureOut">
               <a:rPr lang="en-US" smtClean="0"/>
               <a:pPr algn="r"/>
-              <a:t>9/6/2023</a:t>
+              <a:t>9/11/2023</a:t>
             </a:fld>
             <a:endParaRPr lang="en-US"/>
           </a:p>
@@ -674,7 +678,7 @@
           <a:p>
             <a:fld id="{1449AA12-8195-4182-A7AC-2E7E59DFBDAF}" type="datetimeFigureOut">
               <a:rPr lang="en-US" smtClean="0"/>
-              <a:t>9/6/2023</a:t>
+              <a:t>9/11/2023</a:t>
             </a:fld>
             <a:endParaRPr lang="en-US"/>
           </a:p>
@@ -1046,7 +1050,7 @@
           <a:p>
             <a:fld id="{1449AA12-8195-4182-A7AC-2E7E59DFBDAF}" type="datetimeFigureOut">
               <a:rPr lang="en-US" smtClean="0"/>
-              <a:t>9/6/2023</a:t>
+              <a:t>9/11/2023</a:t>
             </a:fld>
             <a:endParaRPr lang="en-US"/>
           </a:p>
@@ -1408,7 +1412,7 @@
           <a:p>
             <a:fld id="{1449AA12-8195-4182-A7AC-2E7E59DFBDAF}" type="datetimeFigureOut">
               <a:rPr lang="en-US" smtClean="0"/>
-              <a:t>9/6/2023</a:t>
+              <a:t>9/11/2023</a:t>
             </a:fld>
             <a:endParaRPr lang="en-US"/>
           </a:p>
@@ -1848,7 +1852,7 @@
           <a:p>
             <a:fld id="{1449AA12-8195-4182-A7AC-2E7E59DFBDAF}" type="datetimeFigureOut">
               <a:rPr lang="en-US" smtClean="0"/>
-              <a:t>9/6/2023</a:t>
+              <a:t>9/11/2023</a:t>
             </a:fld>
             <a:endParaRPr lang="en-US"/>
           </a:p>
@@ -2288,7 +2292,7 @@
           <a:p>
             <a:fld id="{1449AA12-8195-4182-A7AC-2E7E59DFBDAF}" type="datetimeFigureOut">
               <a:rPr lang="en-US" smtClean="0"/>
-              <a:t>9/6/2023</a:t>
+              <a:t>9/11/2023</a:t>
             </a:fld>
             <a:endParaRPr lang="en-US"/>
           </a:p>
@@ -2896,7 +2900,7 @@
           <a:p>
             <a:fld id="{1449AA12-8195-4182-A7AC-2E7E59DFBDAF}" type="datetimeFigureOut">
               <a:rPr lang="en-US" smtClean="0"/>
-              <a:t>9/6/2023</a:t>
+              <a:t>9/11/2023</a:t>
             </a:fld>
             <a:endParaRPr lang="en-US"/>
           </a:p>
@@ -3201,7 +3205,7 @@
           <a:p>
             <a:fld id="{1449AA12-8195-4182-A7AC-2E7E59DFBDAF}" type="datetimeFigureOut">
               <a:rPr lang="en-US" smtClean="0"/>
-              <a:t>9/6/2023</a:t>
+              <a:t>9/11/2023</a:t>
             </a:fld>
             <a:endParaRPr lang="en-US"/>
           </a:p>
@@ -3478,7 +3482,7 @@
           <a:p>
             <a:fld id="{1449AA12-8195-4182-A7AC-2E7E59DFBDAF}" type="datetimeFigureOut">
               <a:rPr lang="en-US" smtClean="0"/>
-              <a:t>9/6/2023</a:t>
+              <a:t>9/11/2023</a:t>
             </a:fld>
             <a:endParaRPr lang="en-US"/>
           </a:p>
@@ -3955,7 +3959,7 @@
           <a:p>
             <a:fld id="{1449AA12-8195-4182-A7AC-2E7E59DFBDAF}" type="datetimeFigureOut">
               <a:rPr lang="en-US" smtClean="0"/>
-              <a:t>9/6/2023</a:t>
+              <a:t>9/11/2023</a:t>
             </a:fld>
             <a:endParaRPr lang="en-US"/>
           </a:p>
@@ -4410,7 +4414,7 @@
           <a:p>
             <a:fld id="{1449AA12-8195-4182-A7AC-2E7E59DFBDAF}" type="datetimeFigureOut">
               <a:rPr lang="en-US" smtClean="0"/>
-              <a:t>9/6/2023</a:t>
+              <a:t>9/11/2023</a:t>
             </a:fld>
             <a:endParaRPr lang="en-US"/>
           </a:p>
@@ -4816,7 +4820,7 @@
             <a:fld id="{1449AA12-8195-4182-A7AC-2E7E59DFBDAF}" type="datetimeFigureOut">
               <a:rPr lang="en-US" smtClean="0"/>
               <a:pPr/>
-              <a:t>9/6/2023</a:t>
+              <a:t>9/11/2023</a:t>
             </a:fld>
             <a:endParaRPr lang="en-US"/>
           </a:p>
@@ -5606,58 +5610,19 @@
           <a:chExt cx="0" cy="0"/>
         </a:xfrm>
       </p:grpSpPr>
-      <p:sp>
-        <p:nvSpPr>
-          <p:cNvPr id="2" name="Title 1">
-            <a:extLst>
-              <a:ext uri="{FF2B5EF4-FFF2-40B4-BE49-F238E27FC236}">
-                <a16:creationId xmlns:a16="http://schemas.microsoft.com/office/drawing/2014/main" id="{0174C167-08B5-E303-DC45-5575284BA9D2}"/>
-              </a:ext>
-            </a:extLst>
-          </p:cNvPr>
-          <p:cNvSpPr>
-            <a:spLocks noGrp="1"/>
-          </p:cNvSpPr>
-          <p:nvPr>
-            <p:ph type="title"/>
-          </p:nvPr>
-        </p:nvSpPr>
-        <p:spPr>
-          <a:xfrm>
-            <a:off x="1587710" y="455362"/>
-            <a:ext cx="9486690" cy="759665"/>
-          </a:xfrm>
-        </p:spPr>
-        <p:txBody>
-          <a:bodyPr/>
-          <a:lstStyle/>
-          <a:p>
-            <a:r>
-              <a:rPr lang="en-US" sz="2200" dirty="0" err="1"/>
-              <a:t>Tablas</a:t>
-            </a:r>
-            <a:r>
-              <a:rPr lang="en-US" sz="2200" dirty="0"/>
-              <a:t> log</a:t>
-            </a:r>
-          </a:p>
-        </p:txBody>
-      </p:sp>
       <p:pic>
         <p:nvPicPr>
-          <p:cNvPr id="4" name="Content Placeholder 3">
-            <a:extLst>
-              <a:ext uri="{FF2B5EF4-FFF2-40B4-BE49-F238E27FC236}">
-                <a16:creationId xmlns:a16="http://schemas.microsoft.com/office/drawing/2014/main" id="{51AE01DB-BC8A-7E54-8D79-2756A3A8A743}"/>
+          <p:cNvPr id="4" name="Picture 3">
+            <a:extLst>
+              <a:ext uri="{FF2B5EF4-FFF2-40B4-BE49-F238E27FC236}">
+                <a16:creationId xmlns:a16="http://schemas.microsoft.com/office/drawing/2014/main" id="{DBFF2B02-7E13-5774-15EE-9811F77A1FAE}"/>
               </a:ext>
             </a:extLst>
           </p:cNvPr>
           <p:cNvPicPr>
-            <a:picLocks noGrp="1" noChangeAspect="1"/>
+            <a:picLocks noChangeAspect="1"/>
           </p:cNvPicPr>
-          <p:nvPr>
-            <p:ph idx="1"/>
-          </p:nvPr>
+          <p:nvPr/>
         </p:nvPicPr>
         <p:blipFill>
           <a:blip r:embed="rId2"/>
@@ -5667,15 +5632,48 @@
         </p:blipFill>
         <p:spPr>
           <a:xfrm>
-            <a:off x="1884322" y="1398016"/>
-            <a:ext cx="9482936" cy="5234492"/>
+            <a:off x="1446362" y="142018"/>
+            <a:ext cx="10564482" cy="3382191"/>
           </a:xfrm>
+          <a:prstGeom prst="rect">
+            <a:avLst/>
+          </a:prstGeom>
+        </p:spPr>
+      </p:pic>
+      <p:pic>
+        <p:nvPicPr>
+          <p:cNvPr id="5" name="Picture 4">
+            <a:extLst>
+              <a:ext uri="{FF2B5EF4-FFF2-40B4-BE49-F238E27FC236}">
+                <a16:creationId xmlns:a16="http://schemas.microsoft.com/office/drawing/2014/main" id="{FA666582-DF92-5873-9BD7-20DD6292FECE}"/>
+              </a:ext>
+            </a:extLst>
+          </p:cNvPr>
+          <p:cNvPicPr>
+            <a:picLocks noChangeAspect="1"/>
+          </p:cNvPicPr>
+          <p:nvPr/>
+        </p:nvPicPr>
+        <p:blipFill>
+          <a:blip r:embed="rId3"/>
+          <a:stretch>
+            <a:fillRect/>
+          </a:stretch>
+        </p:blipFill>
+        <p:spPr>
+          <a:xfrm>
+            <a:off x="1446362" y="3628329"/>
+            <a:ext cx="10564482" cy="3123794"/>
+          </a:xfrm>
+          <a:prstGeom prst="rect">
+            <a:avLst/>
+          </a:prstGeom>
         </p:spPr>
       </p:pic>
     </p:spTree>
     <p:extLst>
       <p:ext uri="{BB962C8B-B14F-4D97-AF65-F5344CB8AC3E}">
-        <p14:creationId xmlns:p14="http://schemas.microsoft.com/office/powerpoint/2010/main" val="153961887"/>
+        <p14:creationId xmlns:p14="http://schemas.microsoft.com/office/powerpoint/2010/main" val="4116759121"/>
       </p:ext>
     </p:extLst>
   </p:cSld>
@@ -5686,6 +5684,66 @@
 </file>
 
 <file path=ppt/slides/slide11.xml><?xml version="1.0" encoding="utf-8"?>
+<p:sld xmlns:a="http://schemas.openxmlformats.org/drawingml/2006/main" xmlns:r="http://schemas.openxmlformats.org/officeDocument/2006/relationships" xmlns:p="http://schemas.openxmlformats.org/presentationml/2006/main">
+  <p:cSld>
+    <p:spTree>
+      <p:nvGrpSpPr>
+        <p:cNvPr id="1" name=""/>
+        <p:cNvGrpSpPr/>
+        <p:nvPr/>
+      </p:nvGrpSpPr>
+      <p:grpSpPr>
+        <a:xfrm>
+          <a:off x="0" y="0"/>
+          <a:ext cx="0" cy="0"/>
+          <a:chOff x="0" y="0"/>
+          <a:chExt cx="0" cy="0"/>
+        </a:xfrm>
+      </p:grpSpPr>
+      <p:pic>
+        <p:nvPicPr>
+          <p:cNvPr id="4" name="Picture 3">
+            <a:extLst>
+              <a:ext uri="{FF2B5EF4-FFF2-40B4-BE49-F238E27FC236}">
+                <a16:creationId xmlns:a16="http://schemas.microsoft.com/office/drawing/2014/main" id="{1E0965E8-6A0E-1925-3A3C-5E6FB0CA347E}"/>
+              </a:ext>
+            </a:extLst>
+          </p:cNvPr>
+          <p:cNvPicPr>
+            <a:picLocks noChangeAspect="1"/>
+          </p:cNvPicPr>
+          <p:nvPr/>
+        </p:nvPicPr>
+        <p:blipFill>
+          <a:blip r:embed="rId2"/>
+          <a:stretch>
+            <a:fillRect/>
+          </a:stretch>
+        </p:blipFill>
+        <p:spPr>
+          <a:xfrm>
+            <a:off x="1245079" y="433780"/>
+            <a:ext cx="10794520" cy="6306740"/>
+          </a:xfrm>
+          <a:prstGeom prst="rect">
+            <a:avLst/>
+          </a:prstGeom>
+        </p:spPr>
+      </p:pic>
+    </p:spTree>
+    <p:extLst>
+      <p:ext uri="{BB962C8B-B14F-4D97-AF65-F5344CB8AC3E}">
+        <p14:creationId xmlns:p14="http://schemas.microsoft.com/office/powerpoint/2010/main" val="1686940028"/>
+      </p:ext>
+    </p:extLst>
+  </p:cSld>
+  <p:clrMapOvr>
+    <a:masterClrMapping/>
+  </p:clrMapOvr>
+</p:sld>
+</file>
+
+<file path=ppt/slides/slide12.xml><?xml version="1.0" encoding="utf-8"?>
 <p:sld xmlns:a="http://schemas.openxmlformats.org/drawingml/2006/main" xmlns:r="http://schemas.openxmlformats.org/officeDocument/2006/relationships" xmlns:p="http://schemas.openxmlformats.org/presentationml/2006/main">
   <p:cSld>
     <p:spTree>
@@ -6337,7 +6395,7 @@
 </p:sld>
 </file>
 
-<file path=ppt/slides/slide12.xml><?xml version="1.0" encoding="utf-8"?>
+<file path=ppt/slides/slide13.xml><?xml version="1.0" encoding="utf-8"?>
 <p:sld xmlns:a="http://schemas.openxmlformats.org/drawingml/2006/main" xmlns:r="http://schemas.openxmlformats.org/officeDocument/2006/relationships" xmlns:p="http://schemas.openxmlformats.org/presentationml/2006/main">
   <p:cSld>
     <p:spTree>
@@ -7305,380 +7363,6 @@
     <p:extLst>
       <p:ext uri="{BB962C8B-B14F-4D97-AF65-F5344CB8AC3E}">
         <p14:creationId xmlns:p14="http://schemas.microsoft.com/office/powerpoint/2010/main" val="3314077825"/>
-      </p:ext>
-    </p:extLst>
-  </p:cSld>
-  <p:clrMapOvr>
-    <a:masterClrMapping/>
-  </p:clrMapOvr>
-</p:sld>
-</file>
-
-<file path=ppt/slides/slide13.xml><?xml version="1.0" encoding="utf-8"?>
-<p:sld xmlns:a="http://schemas.openxmlformats.org/drawingml/2006/main" xmlns:r="http://schemas.openxmlformats.org/officeDocument/2006/relationships" xmlns:p="http://schemas.openxmlformats.org/presentationml/2006/main">
-  <p:cSld>
-    <p:bg>
-      <p:bgPr>
-        <a:solidFill>
-          <a:schemeClr val="bg1"/>
-        </a:solidFill>
-        <a:effectLst/>
-      </p:bgPr>
-    </p:bg>
-    <p:spTree>
-      <p:nvGrpSpPr>
-        <p:cNvPr id="1" name=""/>
-        <p:cNvGrpSpPr/>
-        <p:nvPr/>
-      </p:nvGrpSpPr>
-      <p:grpSpPr>
-        <a:xfrm>
-          <a:off x="0" y="0"/>
-          <a:ext cx="0" cy="0"/>
-          <a:chOff x="0" y="0"/>
-          <a:chExt cx="0" cy="0"/>
-        </a:xfrm>
-      </p:grpSpPr>
-      <p:sp useBgFill="1">
-        <p:nvSpPr>
-          <p:cNvPr id="19" name="Rectangle 18">
-            <a:extLst>
-              <a:ext uri="{FF2B5EF4-FFF2-40B4-BE49-F238E27FC236}">
-                <a16:creationId xmlns:a16="http://schemas.microsoft.com/office/drawing/2014/main" id="{C868C70C-E5C4-CD47-888C-FCB3373B6D38}"/>
-              </a:ext>
-              <a:ext uri="{C183D7F6-B498-43B3-948B-1728B52AA6E4}">
-                <adec:decorative xmlns:adec="http://schemas.microsoft.com/office/drawing/2017/decorative" val="1"/>
-              </a:ext>
-            </a:extLst>
-          </p:cNvPr>
-          <p:cNvSpPr>
-            <a:spLocks noGrp="1" noRot="1" noChangeAspect="1" noMove="1" noResize="1" noEditPoints="1" noAdjustHandles="1" noChangeArrowheads="1" noChangeShapeType="1" noTextEdit="1"/>
-          </p:cNvSpPr>
-          <p:nvPr>
-            <p:extLst>
-              <p:ext uri="{386F3935-93C4-4BCD-93E2-E3B085C9AB24}">
-                <p16:designElem xmlns:p16="http://schemas.microsoft.com/office/powerpoint/2015/main" val="1"/>
-              </p:ext>
-            </p:extLst>
-          </p:nvPr>
-        </p:nvSpPr>
-        <p:spPr>
-          <a:xfrm>
-            <a:off x="0" y="0"/>
-            <a:ext cx="12188952" cy="6858000"/>
-          </a:xfrm>
-          <a:prstGeom prst="rect">
-            <a:avLst/>
-          </a:prstGeom>
-          <a:ln>
-            <a:noFill/>
-          </a:ln>
-        </p:spPr>
-        <p:style>
-          <a:lnRef idx="2">
-            <a:schemeClr val="accent1">
-              <a:shade val="50000"/>
-            </a:schemeClr>
-          </a:lnRef>
-          <a:fillRef idx="1">
-            <a:schemeClr val="accent1"/>
-          </a:fillRef>
-          <a:effectRef idx="0">
-            <a:schemeClr val="accent1"/>
-          </a:effectRef>
-          <a:fontRef idx="minor">
-            <a:schemeClr val="lt1"/>
-          </a:fontRef>
-        </p:style>
-        <p:txBody>
-          <a:bodyPr rtlCol="0" anchor="ctr"/>
-          <a:lstStyle/>
-          <a:p>
-            <a:pPr algn="ctr"/>
-            <a:endParaRPr lang="en-US"/>
-          </a:p>
-        </p:txBody>
-      </p:sp>
-      <p:sp>
-        <p:nvSpPr>
-          <p:cNvPr id="2" name="Title 1">
-            <a:extLst>
-              <a:ext uri="{FF2B5EF4-FFF2-40B4-BE49-F238E27FC236}">
-                <a16:creationId xmlns:a16="http://schemas.microsoft.com/office/drawing/2014/main" id="{4552FD24-ABA1-EAF8-F9E0-B7B422665E12}"/>
-              </a:ext>
-            </a:extLst>
-          </p:cNvPr>
-          <p:cNvSpPr>
-            <a:spLocks noGrp="1"/>
-          </p:cNvSpPr>
-          <p:nvPr>
-            <p:ph type="title"/>
-          </p:nvPr>
-        </p:nvSpPr>
-        <p:spPr>
-          <a:xfrm>
-            <a:off x="1443936" y="182192"/>
-            <a:ext cx="4018219" cy="1550419"/>
-          </a:xfrm>
-        </p:spPr>
-        <p:txBody>
-          <a:bodyPr>
-            <a:normAutofit/>
-          </a:bodyPr>
-          <a:lstStyle/>
-          <a:p>
-            <a:pPr>
-              <a:lnSpc>
-                <a:spcPct val="90000"/>
-              </a:lnSpc>
-            </a:pPr>
-            <a:r>
-              <a:rPr lang="en-US" sz="2200" err="1"/>
-              <a:t>Visualizacion</a:t>
-            </a:r>
-            <a:r>
-              <a:rPr lang="en-US" sz="2200" dirty="0"/>
-              <a:t> de </a:t>
-            </a:r>
-            <a:r>
-              <a:rPr lang="en-US" sz="2200" err="1"/>
-              <a:t>los</a:t>
-            </a:r>
-            <a:r>
-              <a:rPr lang="en-US" sz="2200" dirty="0"/>
-              <a:t> </a:t>
-            </a:r>
-            <a:r>
-              <a:rPr lang="en-US" sz="2200" err="1"/>
-              <a:t>estados</a:t>
-            </a:r>
-            <a:r>
-              <a:rPr lang="en-US" sz="2200" dirty="0"/>
-              <a:t> de tickets:</a:t>
-            </a:r>
-          </a:p>
-        </p:txBody>
-      </p:sp>
-      <p:sp>
-        <p:nvSpPr>
-          <p:cNvPr id="20" name="Rectangle 19">
-            <a:extLst>
-              <a:ext uri="{FF2B5EF4-FFF2-40B4-BE49-F238E27FC236}">
-                <a16:creationId xmlns:a16="http://schemas.microsoft.com/office/drawing/2014/main" id="{D8C68F39-5E8A-844C-A8FD-394F253C1E5F}"/>
-              </a:ext>
-              <a:ext uri="{C183D7F6-B498-43B3-948B-1728B52AA6E4}">
-                <adec:decorative xmlns:adec="http://schemas.microsoft.com/office/drawing/2017/decorative" val="1"/>
-              </a:ext>
-            </a:extLst>
-          </p:cNvPr>
-          <p:cNvSpPr>
-            <a:spLocks noGrp="1" noRot="1" noChangeAspect="1" noMove="1" noResize="1" noEditPoints="1" noAdjustHandles="1" noChangeArrowheads="1" noChangeShapeType="1" noTextEdit="1"/>
-          </p:cNvSpPr>
-          <p:nvPr>
-            <p:extLst>
-              <p:ext uri="{386F3935-93C4-4BCD-93E2-E3B085C9AB24}">
-                <p16:designElem xmlns:p16="http://schemas.microsoft.com/office/powerpoint/2015/main" val="1"/>
-              </p:ext>
-            </p:extLst>
-          </p:nvPr>
-        </p:nvSpPr>
-        <p:spPr>
-          <a:xfrm>
-            <a:off x="0" y="565153"/>
-            <a:ext cx="1133856" cy="6292847"/>
-          </a:xfrm>
-          <a:prstGeom prst="rect">
-            <a:avLst/>
-          </a:prstGeom>
-          <a:gradFill flip="none" rotWithShape="1">
-            <a:gsLst>
-              <a:gs pos="0">
-                <a:schemeClr val="accent1">
-                  <a:alpha val="50000"/>
-                </a:schemeClr>
-              </a:gs>
-              <a:gs pos="81000">
-                <a:schemeClr val="accent4">
-                  <a:alpha val="50000"/>
-                </a:schemeClr>
-              </a:gs>
-              <a:gs pos="25000">
-                <a:schemeClr val="accent2">
-                  <a:alpha val="60000"/>
-                </a:schemeClr>
-              </a:gs>
-              <a:gs pos="50000">
-                <a:schemeClr val="accent3">
-                  <a:alpha val="55000"/>
-                </a:schemeClr>
-              </a:gs>
-              <a:gs pos="99000">
-                <a:schemeClr val="accent5">
-                  <a:alpha val="50000"/>
-                </a:schemeClr>
-              </a:gs>
-            </a:gsLst>
-            <a:path path="circle">
-              <a:fillToRect r="100000" b="100000"/>
-            </a:path>
-            <a:tileRect l="-100000" t="-100000"/>
-          </a:gradFill>
-          <a:ln>
-            <a:noFill/>
-          </a:ln>
-        </p:spPr>
-        <p:style>
-          <a:lnRef idx="2">
-            <a:schemeClr val="accent1">
-              <a:shade val="50000"/>
-            </a:schemeClr>
-          </a:lnRef>
-          <a:fillRef idx="1">
-            <a:schemeClr val="accent1"/>
-          </a:fillRef>
-          <a:effectRef idx="0">
-            <a:schemeClr val="accent1"/>
-          </a:effectRef>
-          <a:fontRef idx="minor">
-            <a:schemeClr val="lt1"/>
-          </a:fontRef>
-        </p:style>
-        <p:txBody>
-          <a:bodyPr rtlCol="0" anchor="ctr"/>
-          <a:lstStyle/>
-          <a:p>
-            <a:pPr algn="ctr"/>
-            <a:endParaRPr lang="en-US"/>
-          </a:p>
-        </p:txBody>
-      </p:sp>
-      <p:sp>
-        <p:nvSpPr>
-          <p:cNvPr id="21" name="Rectangle 20">
-            <a:extLst>
-              <a:ext uri="{FF2B5EF4-FFF2-40B4-BE49-F238E27FC236}">
-                <a16:creationId xmlns:a16="http://schemas.microsoft.com/office/drawing/2014/main" id="{BC583CEB-AC2B-2640-94F6-5958E6BC5BAB}"/>
-              </a:ext>
-              <a:ext uri="{C183D7F6-B498-43B3-948B-1728B52AA6E4}">
-                <adec:decorative xmlns:adec="http://schemas.microsoft.com/office/drawing/2017/decorative" val="1"/>
-              </a:ext>
-            </a:extLst>
-          </p:cNvPr>
-          <p:cNvSpPr>
-            <a:spLocks noGrp="1" noRot="1" noChangeAspect="1" noMove="1" noResize="1" noEditPoints="1" noAdjustHandles="1" noChangeArrowheads="1" noChangeShapeType="1" noTextEdit="1"/>
-          </p:cNvSpPr>
-          <p:nvPr>
-            <p:extLst>
-              <p:ext uri="{386F3935-93C4-4BCD-93E2-E3B085C9AB24}">
-                <p16:designElem xmlns:p16="http://schemas.microsoft.com/office/powerpoint/2015/main" val="1"/>
-              </p:ext>
-            </p:extLst>
-          </p:nvPr>
-        </p:nvSpPr>
-        <p:spPr>
-          <a:xfrm>
-            <a:off x="0" y="-3"/>
-            <a:ext cx="565150" cy="6857999"/>
-          </a:xfrm>
-          <a:prstGeom prst="rect">
-            <a:avLst/>
-          </a:prstGeom>
-          <a:gradFill flip="none" rotWithShape="1">
-            <a:gsLst>
-              <a:gs pos="0">
-                <a:schemeClr val="accent1">
-                  <a:alpha val="50000"/>
-                </a:schemeClr>
-              </a:gs>
-              <a:gs pos="81000">
-                <a:schemeClr val="accent4">
-                  <a:alpha val="50000"/>
-                </a:schemeClr>
-              </a:gs>
-              <a:gs pos="25000">
-                <a:schemeClr val="accent2">
-                  <a:alpha val="60000"/>
-                </a:schemeClr>
-              </a:gs>
-              <a:gs pos="49000">
-                <a:schemeClr val="accent3">
-                  <a:alpha val="55000"/>
-                </a:schemeClr>
-              </a:gs>
-              <a:gs pos="99000">
-                <a:schemeClr val="accent5">
-                  <a:alpha val="50000"/>
-                </a:schemeClr>
-              </a:gs>
-            </a:gsLst>
-            <a:path path="circle">
-              <a:fillToRect r="100000" b="100000"/>
-            </a:path>
-            <a:tileRect l="-100000" t="-100000"/>
-          </a:gradFill>
-          <a:ln>
-            <a:noFill/>
-          </a:ln>
-        </p:spPr>
-        <p:style>
-          <a:lnRef idx="2">
-            <a:schemeClr val="accent1">
-              <a:shade val="50000"/>
-            </a:schemeClr>
-          </a:lnRef>
-          <a:fillRef idx="1">
-            <a:schemeClr val="accent1"/>
-          </a:fillRef>
-          <a:effectRef idx="0">
-            <a:schemeClr val="accent1"/>
-          </a:effectRef>
-          <a:fontRef idx="minor">
-            <a:schemeClr val="lt1"/>
-          </a:fontRef>
-        </p:style>
-        <p:txBody>
-          <a:bodyPr rtlCol="0" anchor="ctr"/>
-          <a:lstStyle/>
-          <a:p>
-            <a:pPr algn="ctr"/>
-            <a:endParaRPr lang="en-US"/>
-          </a:p>
-        </p:txBody>
-      </p:sp>
-      <p:pic>
-        <p:nvPicPr>
-          <p:cNvPr id="7" name="Picture 6">
-            <a:extLst>
-              <a:ext uri="{FF2B5EF4-FFF2-40B4-BE49-F238E27FC236}">
-                <a16:creationId xmlns:a16="http://schemas.microsoft.com/office/drawing/2014/main" id="{DA4DB171-F3E4-0BF9-1147-075735282C83}"/>
-              </a:ext>
-            </a:extLst>
-          </p:cNvPr>
-          <p:cNvPicPr>
-            <a:picLocks noChangeAspect="1"/>
-          </p:cNvPicPr>
-          <p:nvPr/>
-        </p:nvPicPr>
-        <p:blipFill>
-          <a:blip r:embed="rId2"/>
-          <a:stretch>
-            <a:fillRect/>
-          </a:stretch>
-        </p:blipFill>
-        <p:spPr>
-          <a:xfrm>
-            <a:off x="1676401" y="889782"/>
-            <a:ext cx="10118783" cy="5883568"/>
-          </a:xfrm>
-          <a:prstGeom prst="rect">
-            <a:avLst/>
-          </a:prstGeom>
-        </p:spPr>
-      </p:pic>
-    </p:spTree>
-    <p:extLst>
-      <p:ext uri="{BB962C8B-B14F-4D97-AF65-F5344CB8AC3E}">
-        <p14:creationId xmlns:p14="http://schemas.microsoft.com/office/powerpoint/2010/main" val="4020445351"/>
       </p:ext>
     </p:extLst>
   </p:cSld>
@@ -7715,6 +7399,380 @@
       </p:grpSpPr>
       <p:sp useBgFill="1">
         <p:nvSpPr>
+          <p:cNvPr id="19" name="Rectangle 18">
+            <a:extLst>
+              <a:ext uri="{FF2B5EF4-FFF2-40B4-BE49-F238E27FC236}">
+                <a16:creationId xmlns:a16="http://schemas.microsoft.com/office/drawing/2014/main" id="{C868C70C-E5C4-CD47-888C-FCB3373B6D38}"/>
+              </a:ext>
+              <a:ext uri="{C183D7F6-B498-43B3-948B-1728B52AA6E4}">
+                <adec:decorative xmlns:adec="http://schemas.microsoft.com/office/drawing/2017/decorative" val="1"/>
+              </a:ext>
+            </a:extLst>
+          </p:cNvPr>
+          <p:cNvSpPr>
+            <a:spLocks noGrp="1" noRot="1" noChangeAspect="1" noMove="1" noResize="1" noEditPoints="1" noAdjustHandles="1" noChangeArrowheads="1" noChangeShapeType="1" noTextEdit="1"/>
+          </p:cNvSpPr>
+          <p:nvPr>
+            <p:extLst>
+              <p:ext uri="{386F3935-93C4-4BCD-93E2-E3B085C9AB24}">
+                <p16:designElem xmlns:p16="http://schemas.microsoft.com/office/powerpoint/2015/main" val="1"/>
+              </p:ext>
+            </p:extLst>
+          </p:nvPr>
+        </p:nvSpPr>
+        <p:spPr>
+          <a:xfrm>
+            <a:off x="0" y="0"/>
+            <a:ext cx="12188952" cy="6858000"/>
+          </a:xfrm>
+          <a:prstGeom prst="rect">
+            <a:avLst/>
+          </a:prstGeom>
+          <a:ln>
+            <a:noFill/>
+          </a:ln>
+        </p:spPr>
+        <p:style>
+          <a:lnRef idx="2">
+            <a:schemeClr val="accent1">
+              <a:shade val="50000"/>
+            </a:schemeClr>
+          </a:lnRef>
+          <a:fillRef idx="1">
+            <a:schemeClr val="accent1"/>
+          </a:fillRef>
+          <a:effectRef idx="0">
+            <a:schemeClr val="accent1"/>
+          </a:effectRef>
+          <a:fontRef idx="minor">
+            <a:schemeClr val="lt1"/>
+          </a:fontRef>
+        </p:style>
+        <p:txBody>
+          <a:bodyPr rtlCol="0" anchor="ctr"/>
+          <a:lstStyle/>
+          <a:p>
+            <a:pPr algn="ctr"/>
+            <a:endParaRPr lang="en-US"/>
+          </a:p>
+        </p:txBody>
+      </p:sp>
+      <p:sp>
+        <p:nvSpPr>
+          <p:cNvPr id="2" name="Title 1">
+            <a:extLst>
+              <a:ext uri="{FF2B5EF4-FFF2-40B4-BE49-F238E27FC236}">
+                <a16:creationId xmlns:a16="http://schemas.microsoft.com/office/drawing/2014/main" id="{4552FD24-ABA1-EAF8-F9E0-B7B422665E12}"/>
+              </a:ext>
+            </a:extLst>
+          </p:cNvPr>
+          <p:cNvSpPr>
+            <a:spLocks noGrp="1"/>
+          </p:cNvSpPr>
+          <p:nvPr>
+            <p:ph type="title"/>
+          </p:nvPr>
+        </p:nvSpPr>
+        <p:spPr>
+          <a:xfrm>
+            <a:off x="1443936" y="182192"/>
+            <a:ext cx="4018219" cy="1550419"/>
+          </a:xfrm>
+        </p:spPr>
+        <p:txBody>
+          <a:bodyPr>
+            <a:normAutofit/>
+          </a:bodyPr>
+          <a:lstStyle/>
+          <a:p>
+            <a:pPr>
+              <a:lnSpc>
+                <a:spcPct val="90000"/>
+              </a:lnSpc>
+            </a:pPr>
+            <a:r>
+              <a:rPr lang="en-US" sz="2200" err="1"/>
+              <a:t>Visualizacion</a:t>
+            </a:r>
+            <a:r>
+              <a:rPr lang="en-US" sz="2200" dirty="0"/>
+              <a:t> de </a:t>
+            </a:r>
+            <a:r>
+              <a:rPr lang="en-US" sz="2200" err="1"/>
+              <a:t>los</a:t>
+            </a:r>
+            <a:r>
+              <a:rPr lang="en-US" sz="2200" dirty="0"/>
+              <a:t> </a:t>
+            </a:r>
+            <a:r>
+              <a:rPr lang="en-US" sz="2200" err="1"/>
+              <a:t>estados</a:t>
+            </a:r>
+            <a:r>
+              <a:rPr lang="en-US" sz="2200" dirty="0"/>
+              <a:t> de tickets:</a:t>
+            </a:r>
+          </a:p>
+        </p:txBody>
+      </p:sp>
+      <p:sp>
+        <p:nvSpPr>
+          <p:cNvPr id="20" name="Rectangle 19">
+            <a:extLst>
+              <a:ext uri="{FF2B5EF4-FFF2-40B4-BE49-F238E27FC236}">
+                <a16:creationId xmlns:a16="http://schemas.microsoft.com/office/drawing/2014/main" id="{D8C68F39-5E8A-844C-A8FD-394F253C1E5F}"/>
+              </a:ext>
+              <a:ext uri="{C183D7F6-B498-43B3-948B-1728B52AA6E4}">
+                <adec:decorative xmlns:adec="http://schemas.microsoft.com/office/drawing/2017/decorative" val="1"/>
+              </a:ext>
+            </a:extLst>
+          </p:cNvPr>
+          <p:cNvSpPr>
+            <a:spLocks noGrp="1" noRot="1" noChangeAspect="1" noMove="1" noResize="1" noEditPoints="1" noAdjustHandles="1" noChangeArrowheads="1" noChangeShapeType="1" noTextEdit="1"/>
+          </p:cNvSpPr>
+          <p:nvPr>
+            <p:extLst>
+              <p:ext uri="{386F3935-93C4-4BCD-93E2-E3B085C9AB24}">
+                <p16:designElem xmlns:p16="http://schemas.microsoft.com/office/powerpoint/2015/main" val="1"/>
+              </p:ext>
+            </p:extLst>
+          </p:nvPr>
+        </p:nvSpPr>
+        <p:spPr>
+          <a:xfrm>
+            <a:off x="0" y="565153"/>
+            <a:ext cx="1133856" cy="6292847"/>
+          </a:xfrm>
+          <a:prstGeom prst="rect">
+            <a:avLst/>
+          </a:prstGeom>
+          <a:gradFill flip="none" rotWithShape="1">
+            <a:gsLst>
+              <a:gs pos="0">
+                <a:schemeClr val="accent1">
+                  <a:alpha val="50000"/>
+                </a:schemeClr>
+              </a:gs>
+              <a:gs pos="81000">
+                <a:schemeClr val="accent4">
+                  <a:alpha val="50000"/>
+                </a:schemeClr>
+              </a:gs>
+              <a:gs pos="25000">
+                <a:schemeClr val="accent2">
+                  <a:alpha val="60000"/>
+                </a:schemeClr>
+              </a:gs>
+              <a:gs pos="50000">
+                <a:schemeClr val="accent3">
+                  <a:alpha val="55000"/>
+                </a:schemeClr>
+              </a:gs>
+              <a:gs pos="99000">
+                <a:schemeClr val="accent5">
+                  <a:alpha val="50000"/>
+                </a:schemeClr>
+              </a:gs>
+            </a:gsLst>
+            <a:path path="circle">
+              <a:fillToRect r="100000" b="100000"/>
+            </a:path>
+            <a:tileRect l="-100000" t="-100000"/>
+          </a:gradFill>
+          <a:ln>
+            <a:noFill/>
+          </a:ln>
+        </p:spPr>
+        <p:style>
+          <a:lnRef idx="2">
+            <a:schemeClr val="accent1">
+              <a:shade val="50000"/>
+            </a:schemeClr>
+          </a:lnRef>
+          <a:fillRef idx="1">
+            <a:schemeClr val="accent1"/>
+          </a:fillRef>
+          <a:effectRef idx="0">
+            <a:schemeClr val="accent1"/>
+          </a:effectRef>
+          <a:fontRef idx="minor">
+            <a:schemeClr val="lt1"/>
+          </a:fontRef>
+        </p:style>
+        <p:txBody>
+          <a:bodyPr rtlCol="0" anchor="ctr"/>
+          <a:lstStyle/>
+          <a:p>
+            <a:pPr algn="ctr"/>
+            <a:endParaRPr lang="en-US"/>
+          </a:p>
+        </p:txBody>
+      </p:sp>
+      <p:sp>
+        <p:nvSpPr>
+          <p:cNvPr id="21" name="Rectangle 20">
+            <a:extLst>
+              <a:ext uri="{FF2B5EF4-FFF2-40B4-BE49-F238E27FC236}">
+                <a16:creationId xmlns:a16="http://schemas.microsoft.com/office/drawing/2014/main" id="{BC583CEB-AC2B-2640-94F6-5958E6BC5BAB}"/>
+              </a:ext>
+              <a:ext uri="{C183D7F6-B498-43B3-948B-1728B52AA6E4}">
+                <adec:decorative xmlns:adec="http://schemas.microsoft.com/office/drawing/2017/decorative" val="1"/>
+              </a:ext>
+            </a:extLst>
+          </p:cNvPr>
+          <p:cNvSpPr>
+            <a:spLocks noGrp="1" noRot="1" noChangeAspect="1" noMove="1" noResize="1" noEditPoints="1" noAdjustHandles="1" noChangeArrowheads="1" noChangeShapeType="1" noTextEdit="1"/>
+          </p:cNvSpPr>
+          <p:nvPr>
+            <p:extLst>
+              <p:ext uri="{386F3935-93C4-4BCD-93E2-E3B085C9AB24}">
+                <p16:designElem xmlns:p16="http://schemas.microsoft.com/office/powerpoint/2015/main" val="1"/>
+              </p:ext>
+            </p:extLst>
+          </p:nvPr>
+        </p:nvSpPr>
+        <p:spPr>
+          <a:xfrm>
+            <a:off x="0" y="-3"/>
+            <a:ext cx="565150" cy="6857999"/>
+          </a:xfrm>
+          <a:prstGeom prst="rect">
+            <a:avLst/>
+          </a:prstGeom>
+          <a:gradFill flip="none" rotWithShape="1">
+            <a:gsLst>
+              <a:gs pos="0">
+                <a:schemeClr val="accent1">
+                  <a:alpha val="50000"/>
+                </a:schemeClr>
+              </a:gs>
+              <a:gs pos="81000">
+                <a:schemeClr val="accent4">
+                  <a:alpha val="50000"/>
+                </a:schemeClr>
+              </a:gs>
+              <a:gs pos="25000">
+                <a:schemeClr val="accent2">
+                  <a:alpha val="60000"/>
+                </a:schemeClr>
+              </a:gs>
+              <a:gs pos="49000">
+                <a:schemeClr val="accent3">
+                  <a:alpha val="55000"/>
+                </a:schemeClr>
+              </a:gs>
+              <a:gs pos="99000">
+                <a:schemeClr val="accent5">
+                  <a:alpha val="50000"/>
+                </a:schemeClr>
+              </a:gs>
+            </a:gsLst>
+            <a:path path="circle">
+              <a:fillToRect r="100000" b="100000"/>
+            </a:path>
+            <a:tileRect l="-100000" t="-100000"/>
+          </a:gradFill>
+          <a:ln>
+            <a:noFill/>
+          </a:ln>
+        </p:spPr>
+        <p:style>
+          <a:lnRef idx="2">
+            <a:schemeClr val="accent1">
+              <a:shade val="50000"/>
+            </a:schemeClr>
+          </a:lnRef>
+          <a:fillRef idx="1">
+            <a:schemeClr val="accent1"/>
+          </a:fillRef>
+          <a:effectRef idx="0">
+            <a:schemeClr val="accent1"/>
+          </a:effectRef>
+          <a:fontRef idx="minor">
+            <a:schemeClr val="lt1"/>
+          </a:fontRef>
+        </p:style>
+        <p:txBody>
+          <a:bodyPr rtlCol="0" anchor="ctr"/>
+          <a:lstStyle/>
+          <a:p>
+            <a:pPr algn="ctr"/>
+            <a:endParaRPr lang="en-US"/>
+          </a:p>
+        </p:txBody>
+      </p:sp>
+      <p:pic>
+        <p:nvPicPr>
+          <p:cNvPr id="7" name="Picture 6">
+            <a:extLst>
+              <a:ext uri="{FF2B5EF4-FFF2-40B4-BE49-F238E27FC236}">
+                <a16:creationId xmlns:a16="http://schemas.microsoft.com/office/drawing/2014/main" id="{DA4DB171-F3E4-0BF9-1147-075735282C83}"/>
+              </a:ext>
+            </a:extLst>
+          </p:cNvPr>
+          <p:cNvPicPr>
+            <a:picLocks noChangeAspect="1"/>
+          </p:cNvPicPr>
+          <p:nvPr/>
+        </p:nvPicPr>
+        <p:blipFill>
+          <a:blip r:embed="rId2"/>
+          <a:stretch>
+            <a:fillRect/>
+          </a:stretch>
+        </p:blipFill>
+        <p:spPr>
+          <a:xfrm>
+            <a:off x="1676401" y="889782"/>
+            <a:ext cx="10118783" cy="5883568"/>
+          </a:xfrm>
+          <a:prstGeom prst="rect">
+            <a:avLst/>
+          </a:prstGeom>
+        </p:spPr>
+      </p:pic>
+    </p:spTree>
+    <p:extLst>
+      <p:ext uri="{BB962C8B-B14F-4D97-AF65-F5344CB8AC3E}">
+        <p14:creationId xmlns:p14="http://schemas.microsoft.com/office/powerpoint/2010/main" val="4020445351"/>
+      </p:ext>
+    </p:extLst>
+  </p:cSld>
+  <p:clrMapOvr>
+    <a:masterClrMapping/>
+  </p:clrMapOvr>
+</p:sld>
+</file>
+
+<file path=ppt/slides/slide15.xml><?xml version="1.0" encoding="utf-8"?>
+<p:sld xmlns:a="http://schemas.openxmlformats.org/drawingml/2006/main" xmlns:r="http://schemas.openxmlformats.org/officeDocument/2006/relationships" xmlns:p="http://schemas.openxmlformats.org/presentationml/2006/main">
+  <p:cSld>
+    <p:bg>
+      <p:bgPr>
+        <a:solidFill>
+          <a:schemeClr val="bg1"/>
+        </a:solidFill>
+        <a:effectLst/>
+      </p:bgPr>
+    </p:bg>
+    <p:spTree>
+      <p:nvGrpSpPr>
+        <p:cNvPr id="1" name=""/>
+        <p:cNvGrpSpPr/>
+        <p:nvPr/>
+      </p:nvGrpSpPr>
+      <p:grpSpPr>
+        <a:xfrm>
+          <a:off x="0" y="0"/>
+          <a:ext cx="0" cy="0"/>
+          <a:chOff x="0" y="0"/>
+          <a:chExt cx="0" cy="0"/>
+        </a:xfrm>
+      </p:grpSpPr>
+      <p:sp useBgFill="1">
+        <p:nvSpPr>
           <p:cNvPr id="27" name="Rectangle 26">
             <a:extLst>
               <a:ext uri="{FF2B5EF4-FFF2-40B4-BE49-F238E27FC236}">
@@ -8050,410 +8108,6 @@
 </p:sld>
 </file>
 
-<file path=ppt/slides/slide15.xml><?xml version="1.0" encoding="utf-8"?>
-<p:sld xmlns:a="http://schemas.openxmlformats.org/drawingml/2006/main" xmlns:r="http://schemas.openxmlformats.org/officeDocument/2006/relationships" xmlns:p="http://schemas.openxmlformats.org/presentationml/2006/main">
-  <p:cSld>
-    <p:spTree>
-      <p:nvGrpSpPr>
-        <p:cNvPr id="1" name=""/>
-        <p:cNvGrpSpPr/>
-        <p:nvPr/>
-      </p:nvGrpSpPr>
-      <p:grpSpPr>
-        <a:xfrm>
-          <a:off x="0" y="0"/>
-          <a:ext cx="0" cy="0"/>
-          <a:chOff x="0" y="0"/>
-          <a:chExt cx="0" cy="0"/>
-        </a:xfrm>
-      </p:grpSpPr>
-      <p:sp>
-        <p:nvSpPr>
-          <p:cNvPr id="2" name="Title 1">
-            <a:extLst>
-              <a:ext uri="{FF2B5EF4-FFF2-40B4-BE49-F238E27FC236}">
-                <a16:creationId xmlns:a16="http://schemas.microsoft.com/office/drawing/2014/main" id="{F91682D9-12C8-5C3B-8E8E-D06EB92851C9}"/>
-              </a:ext>
-            </a:extLst>
-          </p:cNvPr>
-          <p:cNvSpPr>
-            <a:spLocks noGrp="1"/>
-          </p:cNvSpPr>
-          <p:nvPr>
-            <p:ph type="title"/>
-          </p:nvPr>
-        </p:nvSpPr>
-        <p:spPr/>
-        <p:txBody>
-          <a:bodyPr>
-            <a:normAutofit/>
-          </a:bodyPr>
-          <a:lstStyle/>
-          <a:p>
-            <a:r>
-              <a:rPr lang="en-US" sz="2200" dirty="0" err="1"/>
-              <a:t>Funciones</a:t>
-            </a:r>
-            <a:r>
-              <a:rPr lang="en-US" sz="2200" dirty="0"/>
-              <a:t>:</a:t>
-            </a:r>
-          </a:p>
-        </p:txBody>
-      </p:sp>
-      <p:sp>
-        <p:nvSpPr>
-          <p:cNvPr id="3" name="Content Placeholder 2">
-            <a:extLst>
-              <a:ext uri="{FF2B5EF4-FFF2-40B4-BE49-F238E27FC236}">
-                <a16:creationId xmlns:a16="http://schemas.microsoft.com/office/drawing/2014/main" id="{59695AD2-699C-0C24-6427-92237FB81C91}"/>
-              </a:ext>
-            </a:extLst>
-          </p:cNvPr>
-          <p:cNvSpPr>
-            <a:spLocks noGrp="1"/>
-          </p:cNvSpPr>
-          <p:nvPr>
-            <p:ph idx="1"/>
-          </p:nvPr>
-        </p:nvSpPr>
-        <p:spPr/>
-        <p:txBody>
-          <a:bodyPr vert="horz" lIns="91440" tIns="45720" rIns="91440" bIns="45720" rtlCol="0" anchor="t">
-            <a:normAutofit/>
-          </a:bodyPr>
-          <a:lstStyle/>
-          <a:p>
-            <a:pPr>
-              <a:buFont typeface="Calibri" panose="020B0604020202020204" pitchFamily="34" charset="0"/>
-              <a:buChar char="-"/>
-            </a:pPr>
-            <a:r>
-              <a:rPr lang="en-US" b="1" dirty="0" err="1">
-                <a:ea typeface="+mn-lt"/>
-                <a:cs typeface="+mn-lt"/>
-              </a:rPr>
-              <a:t>Tickets_x_operador</a:t>
-            </a:r>
-            <a:r>
-              <a:rPr lang="en-US" dirty="0">
-                <a:ea typeface="+mn-lt"/>
-                <a:cs typeface="+mn-lt"/>
-              </a:rPr>
-              <a:t>: total de tickets </a:t>
-            </a:r>
-            <a:r>
-              <a:rPr lang="en-US" dirty="0" err="1">
-                <a:ea typeface="+mn-lt"/>
-                <a:cs typeface="+mn-lt"/>
-              </a:rPr>
-              <a:t>creados</a:t>
-            </a:r>
-            <a:r>
-              <a:rPr lang="en-US" dirty="0">
-                <a:ea typeface="+mn-lt"/>
-                <a:cs typeface="+mn-lt"/>
-              </a:rPr>
-              <a:t> </a:t>
-            </a:r>
-            <a:r>
-              <a:rPr lang="en-US" dirty="0" err="1">
-                <a:ea typeface="+mn-lt"/>
-                <a:cs typeface="+mn-lt"/>
-              </a:rPr>
-              <a:t>por</a:t>
-            </a:r>
-            <a:r>
-              <a:rPr lang="en-US" dirty="0">
-                <a:ea typeface="+mn-lt"/>
-                <a:cs typeface="+mn-lt"/>
-              </a:rPr>
-              <a:t> </a:t>
-            </a:r>
-            <a:r>
-              <a:rPr lang="en-US" dirty="0" err="1">
-                <a:ea typeface="+mn-lt"/>
-                <a:cs typeface="+mn-lt"/>
-              </a:rPr>
-              <a:t>el</a:t>
-            </a:r>
-            <a:r>
-              <a:rPr lang="en-US" dirty="0">
-                <a:ea typeface="+mn-lt"/>
-                <a:cs typeface="+mn-lt"/>
-              </a:rPr>
-              <a:t> </a:t>
-            </a:r>
-            <a:r>
-              <a:rPr lang="en-US" dirty="0" err="1">
-                <a:ea typeface="+mn-lt"/>
-                <a:cs typeface="+mn-lt"/>
-              </a:rPr>
-              <a:t>operador</a:t>
-            </a:r>
-            <a:r>
-              <a:rPr lang="en-US" dirty="0">
-                <a:ea typeface="+mn-lt"/>
-                <a:cs typeface="+mn-lt"/>
-              </a:rPr>
-              <a:t> que </a:t>
-            </a:r>
-            <a:r>
-              <a:rPr lang="en-US" dirty="0" err="1">
-                <a:ea typeface="+mn-lt"/>
-                <a:cs typeface="+mn-lt"/>
-              </a:rPr>
-              <a:t>yo</a:t>
-            </a:r>
-            <a:r>
-              <a:rPr lang="en-US" dirty="0">
-                <a:ea typeface="+mn-lt"/>
-                <a:cs typeface="+mn-lt"/>
-              </a:rPr>
-              <a:t> </a:t>
-            </a:r>
-            <a:r>
-              <a:rPr lang="en-US" dirty="0" err="1">
-                <a:ea typeface="+mn-lt"/>
-                <a:cs typeface="+mn-lt"/>
-              </a:rPr>
-              <a:t>elijo</a:t>
-            </a:r>
-            <a:r>
-              <a:rPr lang="en-US" dirty="0">
-                <a:ea typeface="+mn-lt"/>
-                <a:cs typeface="+mn-lt"/>
-              </a:rPr>
-              <a:t> </a:t>
-            </a:r>
-            <a:r>
-              <a:rPr lang="en-US" dirty="0" err="1">
-                <a:ea typeface="+mn-lt"/>
-                <a:cs typeface="+mn-lt"/>
-              </a:rPr>
-              <a:t>ingresando</a:t>
-            </a:r>
-            <a:r>
-              <a:rPr lang="en-US" dirty="0">
-                <a:ea typeface="+mn-lt"/>
-                <a:cs typeface="+mn-lt"/>
-              </a:rPr>
-              <a:t> </a:t>
-            </a:r>
-            <a:r>
-              <a:rPr lang="en-US" dirty="0" err="1">
-                <a:ea typeface="+mn-lt"/>
-                <a:cs typeface="+mn-lt"/>
-              </a:rPr>
-              <a:t>el</a:t>
-            </a:r>
-            <a:r>
-              <a:rPr lang="en-US" dirty="0">
-                <a:ea typeface="+mn-lt"/>
-                <a:cs typeface="+mn-lt"/>
-              </a:rPr>
-              <a:t> ID.</a:t>
-            </a:r>
-          </a:p>
-          <a:p>
-            <a:pPr>
-              <a:buFont typeface="Calibri" panose="020B0604020202020204" pitchFamily="34" charset="0"/>
-              <a:buChar char="-"/>
-            </a:pPr>
-            <a:r>
-              <a:rPr lang="en-US" b="1" dirty="0" err="1"/>
-              <a:t>Eficiencia</a:t>
-            </a:r>
-            <a:r>
-              <a:rPr lang="en-US" b="1" dirty="0" err="1">
-                <a:ea typeface="+mn-lt"/>
-                <a:cs typeface="+mn-lt"/>
-              </a:rPr>
-              <a:t>_operador</a:t>
-            </a:r>
-            <a:r>
-              <a:rPr lang="en-US" b="1" dirty="0">
-                <a:ea typeface="+mn-lt"/>
-                <a:cs typeface="+mn-lt"/>
-              </a:rPr>
-              <a:t>: </a:t>
-            </a:r>
-            <a:r>
-              <a:rPr lang="en-US" dirty="0" err="1">
-                <a:ea typeface="+mn-lt"/>
-                <a:cs typeface="+mn-lt"/>
-              </a:rPr>
-              <a:t>porcentaje</a:t>
-            </a:r>
-            <a:r>
-              <a:rPr lang="en-US" dirty="0">
-                <a:ea typeface="+mn-lt"/>
-                <a:cs typeface="+mn-lt"/>
-              </a:rPr>
-              <a:t> de tickets </a:t>
-            </a:r>
-            <a:r>
-              <a:rPr lang="en-US" dirty="0" err="1">
-                <a:ea typeface="+mn-lt"/>
-                <a:cs typeface="+mn-lt"/>
-              </a:rPr>
-              <a:t>solucionados</a:t>
-            </a:r>
-            <a:r>
-              <a:rPr lang="en-US" dirty="0">
-                <a:ea typeface="+mn-lt"/>
-                <a:cs typeface="+mn-lt"/>
-              </a:rPr>
-              <a:t> + </a:t>
-            </a:r>
-            <a:r>
-              <a:rPr lang="en-US" dirty="0" err="1">
-                <a:ea typeface="+mn-lt"/>
-                <a:cs typeface="+mn-lt"/>
-              </a:rPr>
-              <a:t>cerrados</a:t>
-            </a:r>
-            <a:r>
-              <a:rPr lang="en-US" dirty="0">
-                <a:ea typeface="+mn-lt"/>
-                <a:cs typeface="+mn-lt"/>
-              </a:rPr>
-              <a:t> y + </a:t>
-            </a:r>
-            <a:r>
-              <a:rPr lang="en-US" dirty="0" err="1">
-                <a:ea typeface="+mn-lt"/>
-                <a:cs typeface="+mn-lt"/>
-              </a:rPr>
-              <a:t>rechazados</a:t>
-            </a:r>
-            <a:r>
-              <a:rPr lang="en-US" dirty="0">
-                <a:ea typeface="+mn-lt"/>
-                <a:cs typeface="+mn-lt"/>
-              </a:rPr>
-              <a:t> </a:t>
-            </a:r>
-            <a:r>
-              <a:rPr lang="en-US" dirty="0" err="1">
-                <a:ea typeface="+mn-lt"/>
-                <a:cs typeface="+mn-lt"/>
-              </a:rPr>
-              <a:t>segun</a:t>
-            </a:r>
-            <a:r>
-              <a:rPr lang="en-US" dirty="0">
-                <a:ea typeface="+mn-lt"/>
-                <a:cs typeface="+mn-lt"/>
-              </a:rPr>
-              <a:t> </a:t>
-            </a:r>
-            <a:r>
-              <a:rPr lang="en-US" dirty="0" err="1">
-                <a:ea typeface="+mn-lt"/>
-                <a:cs typeface="+mn-lt"/>
-              </a:rPr>
-              <a:t>operador</a:t>
-            </a:r>
-            <a:r>
-              <a:rPr lang="en-US" dirty="0">
-                <a:ea typeface="+mn-lt"/>
-                <a:cs typeface="+mn-lt"/>
-              </a:rPr>
-              <a:t> que </a:t>
-            </a:r>
-            <a:r>
-              <a:rPr lang="en-US" dirty="0" err="1">
-                <a:ea typeface="+mn-lt"/>
-                <a:cs typeface="+mn-lt"/>
-              </a:rPr>
-              <a:t>elijo</a:t>
-            </a:r>
-          </a:p>
-          <a:p>
-            <a:pPr>
-              <a:buFont typeface="Calibri" panose="020B0604020202020204" pitchFamily="34" charset="0"/>
-              <a:buChar char="-"/>
-            </a:pPr>
-            <a:r>
-              <a:rPr lang="en-US" b="1" err="1">
-                <a:ea typeface="+mn-lt"/>
-                <a:cs typeface="+mn-lt"/>
-              </a:rPr>
-              <a:t>f_random</a:t>
-            </a:r>
-            <a:r>
-              <a:rPr lang="en-US" b="1" dirty="0">
-                <a:ea typeface="+mn-lt"/>
-                <a:cs typeface="+mn-lt"/>
-              </a:rPr>
-              <a:t>()</a:t>
-            </a:r>
-            <a:r>
-              <a:rPr lang="en-US" dirty="0">
-                <a:ea typeface="+mn-lt"/>
-                <a:cs typeface="+mn-lt"/>
-              </a:rPr>
-              <a:t>: </a:t>
-            </a:r>
-            <a:r>
-              <a:rPr lang="en-US" err="1">
-                <a:ea typeface="+mn-lt"/>
-                <a:cs typeface="+mn-lt"/>
-              </a:rPr>
-              <a:t>funcion</a:t>
-            </a:r>
-            <a:r>
-              <a:rPr lang="en-US" dirty="0">
-                <a:ea typeface="+mn-lt"/>
-                <a:cs typeface="+mn-lt"/>
-              </a:rPr>
-              <a:t> que </a:t>
-            </a:r>
-            <a:r>
-              <a:rPr lang="en-US" err="1">
-                <a:ea typeface="+mn-lt"/>
-                <a:cs typeface="+mn-lt"/>
-              </a:rPr>
-              <a:t>devuelve</a:t>
-            </a:r>
-            <a:r>
-              <a:rPr lang="en-US" dirty="0">
-                <a:ea typeface="+mn-lt"/>
-                <a:cs typeface="+mn-lt"/>
-              </a:rPr>
-              <a:t> un int </a:t>
-            </a:r>
-            <a:r>
-              <a:rPr lang="en-US" err="1">
-                <a:ea typeface="+mn-lt"/>
-                <a:cs typeface="+mn-lt"/>
-              </a:rPr>
-              <a:t>aleatorio</a:t>
-            </a:r>
-            <a:r>
-              <a:rPr lang="en-US" dirty="0">
-                <a:ea typeface="+mn-lt"/>
-                <a:cs typeface="+mn-lt"/>
-              </a:rPr>
-              <a:t>. </a:t>
-            </a:r>
-          </a:p>
-        </p:txBody>
-      </p:sp>
-    </p:spTree>
-    <p:extLst>
-      <p:ext uri="{BB962C8B-B14F-4D97-AF65-F5344CB8AC3E}">
-        <p14:creationId xmlns:p14="http://schemas.microsoft.com/office/powerpoint/2010/main" val="3444104218"/>
-      </p:ext>
-    </p:extLst>
-  </p:cSld>
-  <p:clrMapOvr>
-    <a:masterClrMapping/>
-  </p:clrMapOvr>
-</p:sld>
-</file>
-
 <file path=ppt/slides/slide16.xml><?xml version="1.0" encoding="utf-8"?>
 <p:sld xmlns:a="http://schemas.openxmlformats.org/drawingml/2006/main" xmlns:r="http://schemas.openxmlformats.org/officeDocument/2006/relationships" xmlns:p="http://schemas.openxmlformats.org/presentationml/2006/main">
   <p:cSld>
@@ -8476,7 +8130,7 @@
           <p:cNvPr id="2" name="Title 1">
             <a:extLst>
               <a:ext uri="{FF2B5EF4-FFF2-40B4-BE49-F238E27FC236}">
-                <a16:creationId xmlns:a16="http://schemas.microsoft.com/office/drawing/2014/main" id="{21A8784B-C6B4-F3D6-010D-09C5B5C3E347}"/>
+                <a16:creationId xmlns:a16="http://schemas.microsoft.com/office/drawing/2014/main" id="{F91682D9-12C8-5C3B-8E8E-D06EB92851C9}"/>
               </a:ext>
             </a:extLst>
           </p:cNvPr>
@@ -8495,8 +8149,12 @@
           <a:lstStyle/>
           <a:p>
             <a:r>
+              <a:rPr lang="en-US" sz="2200" dirty="0" err="1"/>
+              <a:t>Funciones</a:t>
+            </a:r>
+            <a:r>
               <a:rPr lang="en-US" sz="2200" dirty="0"/>
-              <a:t>Store procedure:</a:t>
+              <a:t>:</a:t>
             </a:r>
           </a:p>
         </p:txBody>
@@ -8506,7 +8164,7 @@
           <p:cNvPr id="3" name="Content Placeholder 2">
             <a:extLst>
               <a:ext uri="{FF2B5EF4-FFF2-40B4-BE49-F238E27FC236}">
-                <a16:creationId xmlns:a16="http://schemas.microsoft.com/office/drawing/2014/main" id="{ADF6D8BF-1BA9-911F-525F-195BDD174BF5}"/>
+                <a16:creationId xmlns:a16="http://schemas.microsoft.com/office/drawing/2014/main" id="{59695AD2-699C-0C24-6427-92237FB81C91}"/>
               </a:ext>
             </a:extLst>
           </p:cNvPr>
@@ -8517,580 +8175,334 @@
             <p:ph idx="1"/>
           </p:nvPr>
         </p:nvSpPr>
-        <p:spPr>
-          <a:xfrm>
-            <a:off x="1659597" y="1398017"/>
-            <a:ext cx="9486690" cy="4745661"/>
-          </a:xfrm>
-        </p:spPr>
+        <p:spPr/>
         <p:txBody>
           <a:bodyPr vert="horz" lIns="91440" tIns="45720" rIns="91440" bIns="45720" rtlCol="0" anchor="t">
             <a:normAutofit/>
           </a:bodyPr>
           <a:lstStyle/>
           <a:p>
+            <a:pPr>
+              <a:buFont typeface="Calibri" panose="020B0604020202020204" pitchFamily="34" charset="0"/>
+              <a:buChar char="-"/>
+            </a:pPr>
+            <a:r>
+              <a:rPr lang="en-US" b="1" dirty="0" err="1">
+                <a:ea typeface="+mn-lt"/>
+                <a:cs typeface="+mn-lt"/>
+              </a:rPr>
+              <a:t>Tickets_x_operador</a:t>
+            </a:r>
+            <a:r>
+              <a:rPr lang="en-US" dirty="0">
+                <a:ea typeface="+mn-lt"/>
+                <a:cs typeface="+mn-lt"/>
+              </a:rPr>
+              <a:t>: total de tickets </a:t>
+            </a:r>
+            <a:r>
+              <a:rPr lang="en-US" dirty="0" err="1">
+                <a:ea typeface="+mn-lt"/>
+                <a:cs typeface="+mn-lt"/>
+              </a:rPr>
+              <a:t>creados</a:t>
+            </a:r>
+            <a:r>
+              <a:rPr lang="en-US" dirty="0">
+                <a:ea typeface="+mn-lt"/>
+                <a:cs typeface="+mn-lt"/>
+              </a:rPr>
+              <a:t> </a:t>
+            </a:r>
+            <a:r>
+              <a:rPr lang="en-US" dirty="0" err="1">
+                <a:ea typeface="+mn-lt"/>
+                <a:cs typeface="+mn-lt"/>
+              </a:rPr>
+              <a:t>por</a:t>
+            </a:r>
+            <a:r>
+              <a:rPr lang="en-US" dirty="0">
+                <a:ea typeface="+mn-lt"/>
+                <a:cs typeface="+mn-lt"/>
+              </a:rPr>
+              <a:t> </a:t>
+            </a:r>
+            <a:r>
+              <a:rPr lang="en-US" dirty="0" err="1">
+                <a:ea typeface="+mn-lt"/>
+                <a:cs typeface="+mn-lt"/>
+              </a:rPr>
+              <a:t>el</a:t>
+            </a:r>
+            <a:r>
+              <a:rPr lang="en-US" dirty="0">
+                <a:ea typeface="+mn-lt"/>
+                <a:cs typeface="+mn-lt"/>
+              </a:rPr>
+              <a:t> </a:t>
+            </a:r>
+            <a:r>
+              <a:rPr lang="en-US" dirty="0" err="1">
+                <a:ea typeface="+mn-lt"/>
+                <a:cs typeface="+mn-lt"/>
+              </a:rPr>
+              <a:t>operador</a:t>
+            </a:r>
+            <a:r>
+              <a:rPr lang="en-US" dirty="0">
+                <a:ea typeface="+mn-lt"/>
+                <a:cs typeface="+mn-lt"/>
+              </a:rPr>
+              <a:t> que </a:t>
+            </a:r>
+            <a:r>
+              <a:rPr lang="en-US" dirty="0" err="1">
+                <a:ea typeface="+mn-lt"/>
+                <a:cs typeface="+mn-lt"/>
+              </a:rPr>
+              <a:t>yo</a:t>
+            </a:r>
+            <a:r>
+              <a:rPr lang="en-US" dirty="0">
+                <a:ea typeface="+mn-lt"/>
+                <a:cs typeface="+mn-lt"/>
+              </a:rPr>
+              <a:t> </a:t>
+            </a:r>
+            <a:r>
+              <a:rPr lang="en-US" dirty="0" err="1">
+                <a:ea typeface="+mn-lt"/>
+                <a:cs typeface="+mn-lt"/>
+              </a:rPr>
+              <a:t>elijo</a:t>
+            </a:r>
+            <a:r>
+              <a:rPr lang="en-US" dirty="0">
+                <a:ea typeface="+mn-lt"/>
+                <a:cs typeface="+mn-lt"/>
+              </a:rPr>
+              <a:t> </a:t>
+            </a:r>
+            <a:r>
+              <a:rPr lang="en-US" dirty="0" err="1">
+                <a:ea typeface="+mn-lt"/>
+                <a:cs typeface="+mn-lt"/>
+              </a:rPr>
+              <a:t>ingresando</a:t>
+            </a:r>
+            <a:r>
+              <a:rPr lang="en-US" dirty="0">
+                <a:ea typeface="+mn-lt"/>
+                <a:cs typeface="+mn-lt"/>
+              </a:rPr>
+              <a:t> </a:t>
+            </a:r>
+            <a:r>
+              <a:rPr lang="en-US" dirty="0" err="1">
+                <a:ea typeface="+mn-lt"/>
+                <a:cs typeface="+mn-lt"/>
+              </a:rPr>
+              <a:t>el</a:t>
+            </a:r>
+            <a:r>
+              <a:rPr lang="en-US" dirty="0">
+                <a:ea typeface="+mn-lt"/>
+                <a:cs typeface="+mn-lt"/>
+              </a:rPr>
+              <a:t> ID.</a:t>
+            </a:r>
+          </a:p>
+          <a:p>
+            <a:pPr>
+              <a:buFont typeface="Calibri" panose="020B0604020202020204" pitchFamily="34" charset="0"/>
+              <a:buChar char="-"/>
+            </a:pPr>
+            <a:r>
+              <a:rPr lang="en-US" b="1" dirty="0" err="1"/>
+              <a:t>Eficiencia</a:t>
+            </a:r>
+            <a:r>
+              <a:rPr lang="en-US" b="1" dirty="0" err="1">
+                <a:ea typeface="+mn-lt"/>
+                <a:cs typeface="+mn-lt"/>
+              </a:rPr>
+              <a:t>_operador</a:t>
+            </a:r>
+            <a:r>
+              <a:rPr lang="en-US" b="1" dirty="0">
+                <a:ea typeface="+mn-lt"/>
+                <a:cs typeface="+mn-lt"/>
+              </a:rPr>
+              <a:t>: </a:t>
+            </a:r>
+            <a:r>
+              <a:rPr lang="en-US" dirty="0" err="1">
+                <a:ea typeface="+mn-lt"/>
+                <a:cs typeface="+mn-lt"/>
+              </a:rPr>
+              <a:t>porcentaje</a:t>
+            </a:r>
+            <a:r>
+              <a:rPr lang="en-US" dirty="0">
+                <a:ea typeface="+mn-lt"/>
+                <a:cs typeface="+mn-lt"/>
+              </a:rPr>
+              <a:t> de tickets </a:t>
+            </a:r>
+            <a:r>
+              <a:rPr lang="en-US" dirty="0" err="1">
+                <a:ea typeface="+mn-lt"/>
+                <a:cs typeface="+mn-lt"/>
+              </a:rPr>
+              <a:t>solucionados</a:t>
+            </a:r>
+            <a:r>
+              <a:rPr lang="en-US" dirty="0">
+                <a:ea typeface="+mn-lt"/>
+                <a:cs typeface="+mn-lt"/>
+              </a:rPr>
+              <a:t> + </a:t>
+            </a:r>
+            <a:r>
+              <a:rPr lang="en-US" dirty="0" err="1">
+                <a:ea typeface="+mn-lt"/>
+                <a:cs typeface="+mn-lt"/>
+              </a:rPr>
+              <a:t>cerrados</a:t>
+            </a:r>
+            <a:r>
+              <a:rPr lang="en-US" dirty="0">
+                <a:ea typeface="+mn-lt"/>
+                <a:cs typeface="+mn-lt"/>
+              </a:rPr>
+              <a:t> y + </a:t>
+            </a:r>
+            <a:r>
+              <a:rPr lang="en-US" dirty="0" err="1">
+                <a:ea typeface="+mn-lt"/>
+                <a:cs typeface="+mn-lt"/>
+              </a:rPr>
+              <a:t>rechazados</a:t>
+            </a:r>
+            <a:r>
+              <a:rPr lang="en-US" dirty="0">
+                <a:ea typeface="+mn-lt"/>
+                <a:cs typeface="+mn-lt"/>
+              </a:rPr>
+              <a:t> </a:t>
+            </a:r>
+            <a:r>
+              <a:rPr lang="en-US" dirty="0" err="1">
+                <a:ea typeface="+mn-lt"/>
+                <a:cs typeface="+mn-lt"/>
+              </a:rPr>
+              <a:t>segun</a:t>
+            </a:r>
+            <a:r>
+              <a:rPr lang="en-US" dirty="0">
+                <a:ea typeface="+mn-lt"/>
+                <a:cs typeface="+mn-lt"/>
+              </a:rPr>
+              <a:t> </a:t>
+            </a:r>
+            <a:r>
+              <a:rPr lang="en-US" dirty="0" err="1">
+                <a:ea typeface="+mn-lt"/>
+                <a:cs typeface="+mn-lt"/>
+              </a:rPr>
+              <a:t>operador</a:t>
+            </a:r>
+            <a:r>
+              <a:rPr lang="en-US" dirty="0">
+                <a:ea typeface="+mn-lt"/>
+                <a:cs typeface="+mn-lt"/>
+              </a:rPr>
+              <a:t> que </a:t>
+            </a:r>
+            <a:r>
+              <a:rPr lang="en-US" dirty="0" err="1">
+                <a:ea typeface="+mn-lt"/>
+                <a:cs typeface="+mn-lt"/>
+              </a:rPr>
+              <a:t>elijo</a:t>
+            </a:r>
+          </a:p>
+          <a:p>
+            <a:pPr>
+              <a:buFont typeface="Calibri" panose="020B0604020202020204" pitchFamily="34" charset="0"/>
+              <a:buChar char="-"/>
+            </a:pPr>
             <a:r>
               <a:rPr lang="en-US" b="1" err="1">
                 <a:ea typeface="+mn-lt"/>
                 <a:cs typeface="+mn-lt"/>
               </a:rPr>
-              <a:t>SP_Newcomment</a:t>
-            </a:r>
-            <a:r>
-              <a:rPr lang="en-US" dirty="0">
-                <a:ea typeface="+mn-lt"/>
-                <a:cs typeface="+mn-lt"/>
-              </a:rPr>
-              <a:t>: Nuevo </a:t>
+              <a:t>f_random</a:t>
+            </a:r>
+            <a:r>
+              <a:rPr lang="en-US" b="1" dirty="0">
+                <a:ea typeface="+mn-lt"/>
+                <a:cs typeface="+mn-lt"/>
+              </a:rPr>
+              <a:t>()</a:t>
+            </a:r>
+            <a:r>
+              <a:rPr lang="en-US" dirty="0">
+                <a:ea typeface="+mn-lt"/>
+                <a:cs typeface="+mn-lt"/>
+              </a:rPr>
+              <a:t>: </a:t>
             </a:r>
             <a:r>
               <a:rPr lang="en-US" err="1">
                 <a:ea typeface="+mn-lt"/>
                 <a:cs typeface="+mn-lt"/>
               </a:rPr>
-              <a:t>comentario</a:t>
-            </a:r>
-            <a:r>
-              <a:rPr lang="en-US" dirty="0">
-                <a:ea typeface="+mn-lt"/>
-                <a:cs typeface="+mn-lt"/>
-              </a:rPr>
-              <a:t> </a:t>
+              <a:t>funcion</a:t>
+            </a:r>
+            <a:r>
+              <a:rPr lang="en-US" dirty="0">
+                <a:ea typeface="+mn-lt"/>
+                <a:cs typeface="+mn-lt"/>
+              </a:rPr>
+              <a:t> que </a:t>
             </a:r>
             <a:r>
               <a:rPr lang="en-US" err="1">
                 <a:ea typeface="+mn-lt"/>
                 <a:cs typeface="+mn-lt"/>
               </a:rPr>
-              <a:t>en</a:t>
-            </a:r>
-            <a:r>
-              <a:rPr lang="en-US" dirty="0">
-                <a:ea typeface="+mn-lt"/>
-                <a:cs typeface="+mn-lt"/>
-              </a:rPr>
-              <a:t> un ticket, </a:t>
+              <a:t>devuelve</a:t>
+            </a:r>
+            <a:r>
+              <a:rPr lang="en-US" dirty="0">
+                <a:ea typeface="+mn-lt"/>
+                <a:cs typeface="+mn-lt"/>
+              </a:rPr>
+              <a:t> un int </a:t>
             </a:r>
             <a:r>
               <a:rPr lang="en-US" err="1">
                 <a:ea typeface="+mn-lt"/>
                 <a:cs typeface="+mn-lt"/>
               </a:rPr>
-              <a:t>solicita</a:t>
-            </a:r>
-            <a:r>
-              <a:rPr lang="en-US" dirty="0">
-                <a:ea typeface="+mn-lt"/>
-                <a:cs typeface="+mn-lt"/>
-              </a:rPr>
-              <a:t> ID de </a:t>
-            </a:r>
-            <a:r>
-              <a:rPr lang="en-US" err="1">
-                <a:ea typeface="+mn-lt"/>
-                <a:cs typeface="+mn-lt"/>
-              </a:rPr>
-              <a:t>operador</a:t>
-            </a:r>
-            <a:r>
-              <a:rPr lang="en-US" dirty="0">
-                <a:ea typeface="+mn-lt"/>
-                <a:cs typeface="+mn-lt"/>
-              </a:rPr>
-              <a:t>, ticket e </a:t>
-            </a:r>
-            <a:r>
-              <a:rPr lang="en-US" err="1">
-                <a:ea typeface="+mn-lt"/>
-                <a:cs typeface="+mn-lt"/>
-              </a:rPr>
-              <a:t>ingresa</a:t>
-            </a:r>
-            <a:r>
-              <a:rPr lang="en-US" dirty="0">
-                <a:ea typeface="+mn-lt"/>
-                <a:cs typeface="+mn-lt"/>
-              </a:rPr>
-              <a:t> </a:t>
-            </a:r>
-            <a:r>
-              <a:rPr lang="en-US" err="1">
-                <a:ea typeface="+mn-lt"/>
-                <a:cs typeface="+mn-lt"/>
-              </a:rPr>
-              <a:t>el</a:t>
-            </a:r>
-            <a:r>
-              <a:rPr lang="en-US" dirty="0">
-                <a:ea typeface="+mn-lt"/>
-                <a:cs typeface="+mn-lt"/>
-              </a:rPr>
-              <a:t> </a:t>
-            </a:r>
-            <a:r>
-              <a:rPr lang="en-US" err="1">
-                <a:ea typeface="+mn-lt"/>
-                <a:cs typeface="+mn-lt"/>
-              </a:rPr>
-              <a:t>texto</a:t>
-            </a:r>
-            <a:r>
-              <a:rPr lang="en-US" dirty="0">
-                <a:ea typeface="+mn-lt"/>
-                <a:cs typeface="+mn-lt"/>
-              </a:rPr>
-              <a:t>.</a:t>
-            </a:r>
-          </a:p>
-          <a:p>
-            <a:r>
-              <a:rPr lang="en-US" b="1" err="1">
-                <a:ea typeface="+mn-lt"/>
-                <a:cs typeface="+mn-lt"/>
-              </a:rPr>
-              <a:t>SP_SolucionarComentario</a:t>
-            </a:r>
-            <a:r>
-              <a:rPr lang="en-US" dirty="0">
-                <a:ea typeface="+mn-lt"/>
-                <a:cs typeface="+mn-lt"/>
-              </a:rPr>
-              <a:t>: </a:t>
-            </a:r>
-            <a:r>
-              <a:rPr lang="en-US" err="1">
-                <a:ea typeface="+mn-lt"/>
-                <a:cs typeface="+mn-lt"/>
-              </a:rPr>
-              <a:t>sp</a:t>
-            </a:r>
-            <a:r>
-              <a:rPr lang="en-US" dirty="0">
-                <a:ea typeface="+mn-lt"/>
-                <a:cs typeface="+mn-lt"/>
-              </a:rPr>
-              <a:t> que se </a:t>
-            </a:r>
-            <a:r>
-              <a:rPr lang="en-US" err="1">
-                <a:ea typeface="+mn-lt"/>
-                <a:cs typeface="+mn-lt"/>
-              </a:rPr>
-              <a:t>utiliza</a:t>
-            </a:r>
-            <a:r>
-              <a:rPr lang="en-US" dirty="0">
-                <a:ea typeface="+mn-lt"/>
-                <a:cs typeface="+mn-lt"/>
-              </a:rPr>
-              <a:t> para </a:t>
-            </a:r>
-            <a:r>
-              <a:rPr lang="en-US" err="1">
-                <a:ea typeface="+mn-lt"/>
-                <a:cs typeface="+mn-lt"/>
-              </a:rPr>
-              <a:t>solucionar</a:t>
-            </a:r>
-            <a:r>
-              <a:rPr lang="en-US" dirty="0">
-                <a:ea typeface="+mn-lt"/>
-                <a:cs typeface="+mn-lt"/>
-              </a:rPr>
-              <a:t> un </a:t>
-            </a:r>
-            <a:r>
-              <a:rPr lang="en-US" err="1">
-                <a:ea typeface="+mn-lt"/>
-                <a:cs typeface="+mn-lt"/>
-              </a:rPr>
-              <a:t>comentario</a:t>
-            </a:r>
-            <a:r>
-              <a:rPr lang="en-US" dirty="0">
-                <a:ea typeface="+mn-lt"/>
-                <a:cs typeface="+mn-lt"/>
-              </a:rPr>
-              <a:t> con </a:t>
-            </a:r>
-            <a:r>
-              <a:rPr lang="en-US" err="1">
-                <a:ea typeface="+mn-lt"/>
-                <a:cs typeface="+mn-lt"/>
-              </a:rPr>
-              <a:t>el</a:t>
-            </a:r>
-            <a:r>
-              <a:rPr lang="en-US" dirty="0">
-                <a:ea typeface="+mn-lt"/>
-                <a:cs typeface="+mn-lt"/>
-              </a:rPr>
-              <a:t> ID del </a:t>
-            </a:r>
-            <a:r>
-              <a:rPr lang="en-US" err="1">
-                <a:ea typeface="+mn-lt"/>
-                <a:cs typeface="+mn-lt"/>
-              </a:rPr>
-              <a:t>mismo</a:t>
-            </a:r>
-            <a:r>
-              <a:rPr lang="en-US" dirty="0">
-                <a:ea typeface="+mn-lt"/>
-                <a:cs typeface="+mn-lt"/>
-              </a:rPr>
-              <a:t>.</a:t>
-            </a:r>
-          </a:p>
-          <a:p>
-            <a:r>
-              <a:rPr lang="en-US" b="1" err="1">
-                <a:ea typeface="+mn-lt"/>
-                <a:cs typeface="+mn-lt"/>
-              </a:rPr>
-              <a:t>SP_SolucionarTicket</a:t>
-            </a:r>
-            <a:r>
-              <a:rPr lang="en-US" b="1" dirty="0">
-                <a:ea typeface="+mn-lt"/>
-                <a:cs typeface="+mn-lt"/>
-              </a:rPr>
-              <a:t>: </a:t>
-            </a:r>
-            <a:r>
-              <a:rPr lang="en-US" dirty="0">
-                <a:ea typeface="+mn-lt"/>
-                <a:cs typeface="+mn-lt"/>
-              </a:rPr>
-              <a:t>cambia </a:t>
-            </a:r>
-            <a:r>
-              <a:rPr lang="en-US" err="1">
-                <a:ea typeface="+mn-lt"/>
-                <a:cs typeface="+mn-lt"/>
-              </a:rPr>
-              <a:t>el</a:t>
-            </a:r>
-            <a:r>
-              <a:rPr lang="en-US" dirty="0">
-                <a:ea typeface="+mn-lt"/>
-                <a:cs typeface="+mn-lt"/>
-              </a:rPr>
-              <a:t> </a:t>
-            </a:r>
-            <a:r>
-              <a:rPr lang="en-US" err="1">
-                <a:ea typeface="+mn-lt"/>
-                <a:cs typeface="+mn-lt"/>
-              </a:rPr>
-              <a:t>estado</a:t>
-            </a:r>
-            <a:r>
-              <a:rPr lang="en-US" dirty="0">
-                <a:ea typeface="+mn-lt"/>
-                <a:cs typeface="+mn-lt"/>
-              </a:rPr>
-              <a:t> del ticket a 3 = </a:t>
-            </a:r>
-            <a:r>
-              <a:rPr lang="en-US" err="1">
-                <a:ea typeface="+mn-lt"/>
-                <a:cs typeface="+mn-lt"/>
-              </a:rPr>
-              <a:t>solucionado</a:t>
-            </a:r>
-            <a:r>
-              <a:rPr lang="en-US" dirty="0">
-                <a:ea typeface="+mn-lt"/>
-                <a:cs typeface="+mn-lt"/>
-              </a:rPr>
-              <a:t>, </a:t>
-            </a:r>
-            <a:r>
-              <a:rPr lang="en-US" err="1">
-                <a:ea typeface="+mn-lt"/>
-                <a:cs typeface="+mn-lt"/>
-              </a:rPr>
-              <a:t>agrega</a:t>
-            </a:r>
-            <a:r>
-              <a:rPr lang="en-US" dirty="0">
-                <a:ea typeface="+mn-lt"/>
-                <a:cs typeface="+mn-lt"/>
-              </a:rPr>
-              <a:t> </a:t>
-            </a:r>
-            <a:r>
-              <a:rPr lang="en-US" err="1">
-                <a:ea typeface="+mn-lt"/>
-                <a:cs typeface="+mn-lt"/>
-              </a:rPr>
-              <a:t>fecha_fin</a:t>
-            </a:r>
-            <a:r>
-              <a:rPr lang="en-US" dirty="0">
-                <a:ea typeface="+mn-lt"/>
-                <a:cs typeface="+mn-lt"/>
-              </a:rPr>
-              <a:t> al ticket. Cambia </a:t>
-            </a:r>
-            <a:r>
-              <a:rPr lang="en-US" err="1">
-                <a:ea typeface="+mn-lt"/>
-                <a:cs typeface="+mn-lt"/>
-              </a:rPr>
-              <a:t>el</a:t>
-            </a:r>
-            <a:r>
-              <a:rPr lang="en-US" dirty="0">
-                <a:ea typeface="+mn-lt"/>
-                <a:cs typeface="+mn-lt"/>
-              </a:rPr>
-              <a:t> </a:t>
-            </a:r>
-            <a:r>
-              <a:rPr lang="en-US" err="1">
-                <a:ea typeface="+mn-lt"/>
-                <a:cs typeface="+mn-lt"/>
-              </a:rPr>
-              <a:t>operador</a:t>
-            </a:r>
-            <a:r>
-              <a:rPr lang="en-US" dirty="0">
-                <a:ea typeface="+mn-lt"/>
-                <a:cs typeface="+mn-lt"/>
-              </a:rPr>
-              <a:t> </a:t>
-            </a:r>
-            <a:r>
-              <a:rPr lang="en-US" err="1">
-                <a:ea typeface="+mn-lt"/>
-                <a:cs typeface="+mn-lt"/>
-              </a:rPr>
-              <a:t>en</a:t>
-            </a:r>
-            <a:r>
-              <a:rPr lang="en-US" dirty="0">
-                <a:ea typeface="+mn-lt"/>
-                <a:cs typeface="+mn-lt"/>
-              </a:rPr>
-              <a:t> </a:t>
-            </a:r>
-            <a:r>
-              <a:rPr lang="en-US" err="1">
-                <a:ea typeface="+mn-lt"/>
-                <a:cs typeface="+mn-lt"/>
-              </a:rPr>
-              <a:t>el</a:t>
-            </a:r>
-            <a:r>
-              <a:rPr lang="en-US" dirty="0">
-                <a:ea typeface="+mn-lt"/>
-                <a:cs typeface="+mn-lt"/>
-              </a:rPr>
-              <a:t> ticket </a:t>
-            </a:r>
-            <a:r>
-              <a:rPr lang="en-US" err="1">
-                <a:ea typeface="+mn-lt"/>
-                <a:cs typeface="+mn-lt"/>
-              </a:rPr>
-              <a:t>asi</a:t>
-            </a:r>
-            <a:r>
-              <a:rPr lang="en-US" dirty="0">
-                <a:ea typeface="+mn-lt"/>
-                <a:cs typeface="+mn-lt"/>
-              </a:rPr>
-              <a:t> </a:t>
-            </a:r>
-            <a:r>
-              <a:rPr lang="en-US" err="1">
-                <a:ea typeface="+mn-lt"/>
-                <a:cs typeface="+mn-lt"/>
-              </a:rPr>
-              <a:t>queda</a:t>
-            </a:r>
-            <a:r>
-              <a:rPr lang="en-US" dirty="0">
-                <a:ea typeface="+mn-lt"/>
-                <a:cs typeface="+mn-lt"/>
-              </a:rPr>
-              <a:t> </a:t>
-            </a:r>
-            <a:r>
-              <a:rPr lang="en-US" err="1">
-                <a:ea typeface="+mn-lt"/>
-                <a:cs typeface="+mn-lt"/>
-              </a:rPr>
-              <a:t>asignado</a:t>
-            </a:r>
-            <a:r>
-              <a:rPr lang="en-US" dirty="0">
-                <a:ea typeface="+mn-lt"/>
-                <a:cs typeface="+mn-lt"/>
-              </a:rPr>
-              <a:t> </a:t>
-            </a:r>
-            <a:r>
-              <a:rPr lang="en-US" err="1">
-                <a:ea typeface="+mn-lt"/>
-                <a:cs typeface="+mn-lt"/>
-              </a:rPr>
-              <a:t>el</a:t>
-            </a:r>
-            <a:r>
-              <a:rPr lang="en-US" dirty="0">
-                <a:ea typeface="+mn-lt"/>
-                <a:cs typeface="+mn-lt"/>
-              </a:rPr>
-              <a:t> que lo </a:t>
-            </a:r>
-            <a:r>
-              <a:rPr lang="en-US" err="1">
-                <a:ea typeface="+mn-lt"/>
-                <a:cs typeface="+mn-lt"/>
-              </a:rPr>
-              <a:t>resuelve</a:t>
-            </a:r>
-            <a:r>
-              <a:rPr lang="en-US" dirty="0">
-                <a:ea typeface="+mn-lt"/>
-                <a:cs typeface="+mn-lt"/>
-              </a:rPr>
-              <a:t>, sea o no </a:t>
-            </a:r>
-            <a:r>
-              <a:rPr lang="en-US" err="1">
-                <a:ea typeface="+mn-lt"/>
-                <a:cs typeface="+mn-lt"/>
-              </a:rPr>
-              <a:t>su</a:t>
-            </a:r>
-            <a:r>
-              <a:rPr lang="en-US" dirty="0">
-                <a:ea typeface="+mn-lt"/>
-                <a:cs typeface="+mn-lt"/>
-              </a:rPr>
-              <a:t> </a:t>
-            </a:r>
-            <a:r>
-              <a:rPr lang="en-US" err="1">
-                <a:ea typeface="+mn-lt"/>
-                <a:cs typeface="+mn-lt"/>
-              </a:rPr>
-              <a:t>comentario</a:t>
-            </a:r>
-            <a:r>
-              <a:rPr lang="en-US" dirty="0">
-                <a:ea typeface="+mn-lt"/>
-                <a:cs typeface="+mn-lt"/>
-              </a:rPr>
-              <a:t>.</a:t>
-            </a:r>
-          </a:p>
-          <a:p>
-            <a:r>
-              <a:rPr lang="en-US" b="1" dirty="0" err="1">
-                <a:ea typeface="+mn-lt"/>
-                <a:cs typeface="+mn-lt"/>
-              </a:rPr>
-              <a:t>SP_Solucionar</a:t>
-            </a:r>
-            <a:r>
-              <a:rPr lang="en-US" b="1" dirty="0">
-                <a:ea typeface="+mn-lt"/>
-                <a:cs typeface="+mn-lt"/>
-              </a:rPr>
-              <a:t>: l</a:t>
-            </a:r>
-            <a:r>
-              <a:rPr lang="en-US" dirty="0">
-                <a:ea typeface="+mn-lt"/>
-                <a:cs typeface="+mn-lt"/>
-              </a:rPr>
-              <a:t>lama a</a:t>
-            </a:r>
-            <a:r>
-              <a:rPr lang="en-US" b="1" dirty="0">
-                <a:ea typeface="+mn-lt"/>
-                <a:cs typeface="+mn-lt"/>
-              </a:rPr>
-              <a:t> </a:t>
-            </a:r>
-            <a:r>
-              <a:rPr lang="en-US" dirty="0" err="1">
-                <a:ea typeface="+mn-lt"/>
-                <a:cs typeface="+mn-lt"/>
-              </a:rPr>
-              <a:t>SP_SolucionarTicket</a:t>
-            </a:r>
-            <a:r>
-              <a:rPr lang="en-US" dirty="0">
-                <a:ea typeface="+mn-lt"/>
-                <a:cs typeface="+mn-lt"/>
-              </a:rPr>
-              <a:t> y </a:t>
-            </a:r>
-            <a:r>
-              <a:rPr lang="en-US" dirty="0" err="1">
-                <a:ea typeface="+mn-lt"/>
-                <a:cs typeface="+mn-lt"/>
-              </a:rPr>
-              <a:t>SP_SolucionarComentario</a:t>
-            </a:r>
-            <a:r>
-              <a:rPr lang="en-US" dirty="0">
-                <a:ea typeface="+mn-lt"/>
-                <a:cs typeface="+mn-lt"/>
-              </a:rPr>
-              <a:t> para que se </a:t>
-            </a:r>
-            <a:r>
-              <a:rPr lang="en-US" dirty="0" err="1">
-                <a:ea typeface="+mn-lt"/>
-                <a:cs typeface="+mn-lt"/>
-              </a:rPr>
-              <a:t>ejecuten</a:t>
-            </a:r>
-            <a:r>
-              <a:rPr lang="en-US" dirty="0">
-                <a:ea typeface="+mn-lt"/>
-                <a:cs typeface="+mn-lt"/>
-              </a:rPr>
-              <a:t> al </a:t>
-            </a:r>
-            <a:r>
-              <a:rPr lang="en-US" dirty="0" err="1">
-                <a:ea typeface="+mn-lt"/>
-                <a:cs typeface="+mn-lt"/>
-              </a:rPr>
-              <a:t>mismo</a:t>
-            </a:r>
-            <a:r>
-              <a:rPr lang="en-US" dirty="0">
-                <a:ea typeface="+mn-lt"/>
-                <a:cs typeface="+mn-lt"/>
-              </a:rPr>
-              <a:t> </a:t>
-            </a:r>
-            <a:r>
-              <a:rPr lang="en-US" dirty="0" err="1">
-                <a:ea typeface="+mn-lt"/>
-                <a:cs typeface="+mn-lt"/>
-              </a:rPr>
-              <a:t>tiempo</a:t>
-            </a:r>
-          </a:p>
-          <a:p>
-            <a:endParaRPr lang="en-US" dirty="0"/>
+              <a:t>aleatorio</a:t>
+            </a:r>
+            <a:r>
+              <a:rPr lang="en-US" dirty="0">
+                <a:ea typeface="+mn-lt"/>
+                <a:cs typeface="+mn-lt"/>
+              </a:rPr>
+              <a:t>. </a:t>
+            </a:r>
           </a:p>
         </p:txBody>
       </p:sp>
     </p:spTree>
     <p:extLst>
       <p:ext uri="{BB962C8B-B14F-4D97-AF65-F5344CB8AC3E}">
-        <p14:creationId xmlns:p14="http://schemas.microsoft.com/office/powerpoint/2010/main" val="949422768"/>
+        <p14:creationId xmlns:p14="http://schemas.microsoft.com/office/powerpoint/2010/main" val="3444104218"/>
       </p:ext>
     </p:extLst>
   </p:cSld>
@@ -9119,6 +8531,652 @@
       </p:grpSpPr>
       <p:sp>
         <p:nvSpPr>
+          <p:cNvPr id="2" name="Title 1">
+            <a:extLst>
+              <a:ext uri="{FF2B5EF4-FFF2-40B4-BE49-F238E27FC236}">
+                <a16:creationId xmlns:a16="http://schemas.microsoft.com/office/drawing/2014/main" id="{21A8784B-C6B4-F3D6-010D-09C5B5C3E347}"/>
+              </a:ext>
+            </a:extLst>
+          </p:cNvPr>
+          <p:cNvSpPr>
+            <a:spLocks noGrp="1"/>
+          </p:cNvSpPr>
+          <p:nvPr>
+            <p:ph type="title"/>
+          </p:nvPr>
+        </p:nvSpPr>
+        <p:spPr/>
+        <p:txBody>
+          <a:bodyPr>
+            <a:normAutofit/>
+          </a:bodyPr>
+          <a:lstStyle/>
+          <a:p>
+            <a:r>
+              <a:rPr lang="en-US" sz="2200" dirty="0"/>
+              <a:t>Store procedure:</a:t>
+            </a:r>
+          </a:p>
+        </p:txBody>
+      </p:sp>
+      <p:sp>
+        <p:nvSpPr>
+          <p:cNvPr id="3" name="Content Placeholder 2">
+            <a:extLst>
+              <a:ext uri="{FF2B5EF4-FFF2-40B4-BE49-F238E27FC236}">
+                <a16:creationId xmlns:a16="http://schemas.microsoft.com/office/drawing/2014/main" id="{ADF6D8BF-1BA9-911F-525F-195BDD174BF5}"/>
+              </a:ext>
+            </a:extLst>
+          </p:cNvPr>
+          <p:cNvSpPr>
+            <a:spLocks noGrp="1"/>
+          </p:cNvSpPr>
+          <p:nvPr>
+            <p:ph idx="1"/>
+          </p:nvPr>
+        </p:nvSpPr>
+        <p:spPr>
+          <a:xfrm>
+            <a:off x="1659597" y="1398017"/>
+            <a:ext cx="9486690" cy="4745661"/>
+          </a:xfrm>
+        </p:spPr>
+        <p:txBody>
+          <a:bodyPr vert="horz" lIns="91440" tIns="45720" rIns="91440" bIns="45720" rtlCol="0" anchor="t">
+            <a:normAutofit/>
+          </a:bodyPr>
+          <a:lstStyle/>
+          <a:p>
+            <a:r>
+              <a:rPr lang="en-US" b="1" err="1">
+                <a:ea typeface="+mn-lt"/>
+                <a:cs typeface="+mn-lt"/>
+              </a:rPr>
+              <a:t>SP_Newcomment</a:t>
+            </a:r>
+            <a:r>
+              <a:rPr lang="en-US" dirty="0">
+                <a:ea typeface="+mn-lt"/>
+                <a:cs typeface="+mn-lt"/>
+              </a:rPr>
+              <a:t>: Nuevo </a:t>
+            </a:r>
+            <a:r>
+              <a:rPr lang="en-US" err="1">
+                <a:ea typeface="+mn-lt"/>
+                <a:cs typeface="+mn-lt"/>
+              </a:rPr>
+              <a:t>comentario</a:t>
+            </a:r>
+            <a:r>
+              <a:rPr lang="en-US" dirty="0">
+                <a:ea typeface="+mn-lt"/>
+                <a:cs typeface="+mn-lt"/>
+              </a:rPr>
+              <a:t> </a:t>
+            </a:r>
+            <a:r>
+              <a:rPr lang="en-US" err="1">
+                <a:ea typeface="+mn-lt"/>
+                <a:cs typeface="+mn-lt"/>
+              </a:rPr>
+              <a:t>en</a:t>
+            </a:r>
+            <a:r>
+              <a:rPr lang="en-US" dirty="0">
+                <a:ea typeface="+mn-lt"/>
+                <a:cs typeface="+mn-lt"/>
+              </a:rPr>
+              <a:t> un ticket, </a:t>
+            </a:r>
+            <a:r>
+              <a:rPr lang="en-US" err="1">
+                <a:ea typeface="+mn-lt"/>
+                <a:cs typeface="+mn-lt"/>
+              </a:rPr>
+              <a:t>solicita</a:t>
+            </a:r>
+            <a:r>
+              <a:rPr lang="en-US" dirty="0">
+                <a:ea typeface="+mn-lt"/>
+                <a:cs typeface="+mn-lt"/>
+              </a:rPr>
+              <a:t> ID de </a:t>
+            </a:r>
+            <a:r>
+              <a:rPr lang="en-US" err="1">
+                <a:ea typeface="+mn-lt"/>
+                <a:cs typeface="+mn-lt"/>
+              </a:rPr>
+              <a:t>operador</a:t>
+            </a:r>
+            <a:r>
+              <a:rPr lang="en-US" dirty="0">
+                <a:ea typeface="+mn-lt"/>
+                <a:cs typeface="+mn-lt"/>
+              </a:rPr>
+              <a:t>, ticket e </a:t>
+            </a:r>
+            <a:r>
+              <a:rPr lang="en-US" err="1">
+                <a:ea typeface="+mn-lt"/>
+                <a:cs typeface="+mn-lt"/>
+              </a:rPr>
+              <a:t>ingresa</a:t>
+            </a:r>
+            <a:r>
+              <a:rPr lang="en-US" dirty="0">
+                <a:ea typeface="+mn-lt"/>
+                <a:cs typeface="+mn-lt"/>
+              </a:rPr>
+              <a:t> </a:t>
+            </a:r>
+            <a:r>
+              <a:rPr lang="en-US" err="1">
+                <a:ea typeface="+mn-lt"/>
+                <a:cs typeface="+mn-lt"/>
+              </a:rPr>
+              <a:t>el</a:t>
+            </a:r>
+            <a:r>
+              <a:rPr lang="en-US" dirty="0">
+                <a:ea typeface="+mn-lt"/>
+                <a:cs typeface="+mn-lt"/>
+              </a:rPr>
+              <a:t> </a:t>
+            </a:r>
+            <a:r>
+              <a:rPr lang="en-US" err="1">
+                <a:ea typeface="+mn-lt"/>
+                <a:cs typeface="+mn-lt"/>
+              </a:rPr>
+              <a:t>texto</a:t>
+            </a:r>
+            <a:r>
+              <a:rPr lang="en-US" dirty="0">
+                <a:ea typeface="+mn-lt"/>
+                <a:cs typeface="+mn-lt"/>
+              </a:rPr>
+              <a:t>.</a:t>
+            </a:r>
+          </a:p>
+          <a:p>
+            <a:r>
+              <a:rPr lang="en-US" b="1" err="1">
+                <a:ea typeface="+mn-lt"/>
+                <a:cs typeface="+mn-lt"/>
+              </a:rPr>
+              <a:t>SP_SolucionarComentario</a:t>
+            </a:r>
+            <a:r>
+              <a:rPr lang="en-US" dirty="0">
+                <a:ea typeface="+mn-lt"/>
+                <a:cs typeface="+mn-lt"/>
+              </a:rPr>
+              <a:t>: </a:t>
+            </a:r>
+            <a:r>
+              <a:rPr lang="en-US" err="1">
+                <a:ea typeface="+mn-lt"/>
+                <a:cs typeface="+mn-lt"/>
+              </a:rPr>
+              <a:t>sp</a:t>
+            </a:r>
+            <a:r>
+              <a:rPr lang="en-US" dirty="0">
+                <a:ea typeface="+mn-lt"/>
+                <a:cs typeface="+mn-lt"/>
+              </a:rPr>
+              <a:t> que se </a:t>
+            </a:r>
+            <a:r>
+              <a:rPr lang="en-US" err="1">
+                <a:ea typeface="+mn-lt"/>
+                <a:cs typeface="+mn-lt"/>
+              </a:rPr>
+              <a:t>utiliza</a:t>
+            </a:r>
+            <a:r>
+              <a:rPr lang="en-US" dirty="0">
+                <a:ea typeface="+mn-lt"/>
+                <a:cs typeface="+mn-lt"/>
+              </a:rPr>
+              <a:t> para </a:t>
+            </a:r>
+            <a:r>
+              <a:rPr lang="en-US" err="1">
+                <a:ea typeface="+mn-lt"/>
+                <a:cs typeface="+mn-lt"/>
+              </a:rPr>
+              <a:t>solucionar</a:t>
+            </a:r>
+            <a:r>
+              <a:rPr lang="en-US" dirty="0">
+                <a:ea typeface="+mn-lt"/>
+                <a:cs typeface="+mn-lt"/>
+              </a:rPr>
+              <a:t> un </a:t>
+            </a:r>
+            <a:r>
+              <a:rPr lang="en-US" err="1">
+                <a:ea typeface="+mn-lt"/>
+                <a:cs typeface="+mn-lt"/>
+              </a:rPr>
+              <a:t>comentario</a:t>
+            </a:r>
+            <a:r>
+              <a:rPr lang="en-US" dirty="0">
+                <a:ea typeface="+mn-lt"/>
+                <a:cs typeface="+mn-lt"/>
+              </a:rPr>
+              <a:t> con </a:t>
+            </a:r>
+            <a:r>
+              <a:rPr lang="en-US" err="1">
+                <a:ea typeface="+mn-lt"/>
+                <a:cs typeface="+mn-lt"/>
+              </a:rPr>
+              <a:t>el</a:t>
+            </a:r>
+            <a:r>
+              <a:rPr lang="en-US" dirty="0">
+                <a:ea typeface="+mn-lt"/>
+                <a:cs typeface="+mn-lt"/>
+              </a:rPr>
+              <a:t> ID del </a:t>
+            </a:r>
+            <a:r>
+              <a:rPr lang="en-US" err="1">
+                <a:ea typeface="+mn-lt"/>
+                <a:cs typeface="+mn-lt"/>
+              </a:rPr>
+              <a:t>mismo</a:t>
+            </a:r>
+            <a:r>
+              <a:rPr lang="en-US" dirty="0">
+                <a:ea typeface="+mn-lt"/>
+                <a:cs typeface="+mn-lt"/>
+              </a:rPr>
+              <a:t>.</a:t>
+            </a:r>
+          </a:p>
+          <a:p>
+            <a:r>
+              <a:rPr lang="en-US" b="1" err="1">
+                <a:ea typeface="+mn-lt"/>
+                <a:cs typeface="+mn-lt"/>
+              </a:rPr>
+              <a:t>SP_SolucionarTicket</a:t>
+            </a:r>
+            <a:r>
+              <a:rPr lang="en-US" b="1" dirty="0">
+                <a:ea typeface="+mn-lt"/>
+                <a:cs typeface="+mn-lt"/>
+              </a:rPr>
+              <a:t>: </a:t>
+            </a:r>
+            <a:r>
+              <a:rPr lang="en-US" dirty="0">
+                <a:ea typeface="+mn-lt"/>
+                <a:cs typeface="+mn-lt"/>
+              </a:rPr>
+              <a:t>cambia </a:t>
+            </a:r>
+            <a:r>
+              <a:rPr lang="en-US" err="1">
+                <a:ea typeface="+mn-lt"/>
+                <a:cs typeface="+mn-lt"/>
+              </a:rPr>
+              <a:t>el</a:t>
+            </a:r>
+            <a:r>
+              <a:rPr lang="en-US" dirty="0">
+                <a:ea typeface="+mn-lt"/>
+                <a:cs typeface="+mn-lt"/>
+              </a:rPr>
+              <a:t> </a:t>
+            </a:r>
+            <a:r>
+              <a:rPr lang="en-US" err="1">
+                <a:ea typeface="+mn-lt"/>
+                <a:cs typeface="+mn-lt"/>
+              </a:rPr>
+              <a:t>estado</a:t>
+            </a:r>
+            <a:r>
+              <a:rPr lang="en-US" dirty="0">
+                <a:ea typeface="+mn-lt"/>
+                <a:cs typeface="+mn-lt"/>
+              </a:rPr>
+              <a:t> del ticket a 3 = </a:t>
+            </a:r>
+            <a:r>
+              <a:rPr lang="en-US" err="1">
+                <a:ea typeface="+mn-lt"/>
+                <a:cs typeface="+mn-lt"/>
+              </a:rPr>
+              <a:t>solucionado</a:t>
+            </a:r>
+            <a:r>
+              <a:rPr lang="en-US" dirty="0">
+                <a:ea typeface="+mn-lt"/>
+                <a:cs typeface="+mn-lt"/>
+              </a:rPr>
+              <a:t>, </a:t>
+            </a:r>
+            <a:r>
+              <a:rPr lang="en-US" err="1">
+                <a:ea typeface="+mn-lt"/>
+                <a:cs typeface="+mn-lt"/>
+              </a:rPr>
+              <a:t>agrega</a:t>
+            </a:r>
+            <a:r>
+              <a:rPr lang="en-US" dirty="0">
+                <a:ea typeface="+mn-lt"/>
+                <a:cs typeface="+mn-lt"/>
+              </a:rPr>
+              <a:t> </a:t>
+            </a:r>
+            <a:r>
+              <a:rPr lang="en-US" err="1">
+                <a:ea typeface="+mn-lt"/>
+                <a:cs typeface="+mn-lt"/>
+              </a:rPr>
+              <a:t>fecha_fin</a:t>
+            </a:r>
+            <a:r>
+              <a:rPr lang="en-US" dirty="0">
+                <a:ea typeface="+mn-lt"/>
+                <a:cs typeface="+mn-lt"/>
+              </a:rPr>
+              <a:t> al ticket. Cambia </a:t>
+            </a:r>
+            <a:r>
+              <a:rPr lang="en-US" err="1">
+                <a:ea typeface="+mn-lt"/>
+                <a:cs typeface="+mn-lt"/>
+              </a:rPr>
+              <a:t>el</a:t>
+            </a:r>
+            <a:r>
+              <a:rPr lang="en-US" dirty="0">
+                <a:ea typeface="+mn-lt"/>
+                <a:cs typeface="+mn-lt"/>
+              </a:rPr>
+              <a:t> </a:t>
+            </a:r>
+            <a:r>
+              <a:rPr lang="en-US" err="1">
+                <a:ea typeface="+mn-lt"/>
+                <a:cs typeface="+mn-lt"/>
+              </a:rPr>
+              <a:t>operador</a:t>
+            </a:r>
+            <a:r>
+              <a:rPr lang="en-US" dirty="0">
+                <a:ea typeface="+mn-lt"/>
+                <a:cs typeface="+mn-lt"/>
+              </a:rPr>
+              <a:t> </a:t>
+            </a:r>
+            <a:r>
+              <a:rPr lang="en-US" err="1">
+                <a:ea typeface="+mn-lt"/>
+                <a:cs typeface="+mn-lt"/>
+              </a:rPr>
+              <a:t>en</a:t>
+            </a:r>
+            <a:r>
+              <a:rPr lang="en-US" dirty="0">
+                <a:ea typeface="+mn-lt"/>
+                <a:cs typeface="+mn-lt"/>
+              </a:rPr>
+              <a:t> </a:t>
+            </a:r>
+            <a:r>
+              <a:rPr lang="en-US" err="1">
+                <a:ea typeface="+mn-lt"/>
+                <a:cs typeface="+mn-lt"/>
+              </a:rPr>
+              <a:t>el</a:t>
+            </a:r>
+            <a:r>
+              <a:rPr lang="en-US" dirty="0">
+                <a:ea typeface="+mn-lt"/>
+                <a:cs typeface="+mn-lt"/>
+              </a:rPr>
+              <a:t> ticket </a:t>
+            </a:r>
+            <a:r>
+              <a:rPr lang="en-US" err="1">
+                <a:ea typeface="+mn-lt"/>
+                <a:cs typeface="+mn-lt"/>
+              </a:rPr>
+              <a:t>asi</a:t>
+            </a:r>
+            <a:r>
+              <a:rPr lang="en-US" dirty="0">
+                <a:ea typeface="+mn-lt"/>
+                <a:cs typeface="+mn-lt"/>
+              </a:rPr>
+              <a:t> </a:t>
+            </a:r>
+            <a:r>
+              <a:rPr lang="en-US" err="1">
+                <a:ea typeface="+mn-lt"/>
+                <a:cs typeface="+mn-lt"/>
+              </a:rPr>
+              <a:t>queda</a:t>
+            </a:r>
+            <a:r>
+              <a:rPr lang="en-US" dirty="0">
+                <a:ea typeface="+mn-lt"/>
+                <a:cs typeface="+mn-lt"/>
+              </a:rPr>
+              <a:t> </a:t>
+            </a:r>
+            <a:r>
+              <a:rPr lang="en-US" err="1">
+                <a:ea typeface="+mn-lt"/>
+                <a:cs typeface="+mn-lt"/>
+              </a:rPr>
+              <a:t>asignado</a:t>
+            </a:r>
+            <a:r>
+              <a:rPr lang="en-US" dirty="0">
+                <a:ea typeface="+mn-lt"/>
+                <a:cs typeface="+mn-lt"/>
+              </a:rPr>
+              <a:t> </a:t>
+            </a:r>
+            <a:r>
+              <a:rPr lang="en-US" err="1">
+                <a:ea typeface="+mn-lt"/>
+                <a:cs typeface="+mn-lt"/>
+              </a:rPr>
+              <a:t>el</a:t>
+            </a:r>
+            <a:r>
+              <a:rPr lang="en-US" dirty="0">
+                <a:ea typeface="+mn-lt"/>
+                <a:cs typeface="+mn-lt"/>
+              </a:rPr>
+              <a:t> que lo </a:t>
+            </a:r>
+            <a:r>
+              <a:rPr lang="en-US" err="1">
+                <a:ea typeface="+mn-lt"/>
+                <a:cs typeface="+mn-lt"/>
+              </a:rPr>
+              <a:t>resuelve</a:t>
+            </a:r>
+            <a:r>
+              <a:rPr lang="en-US" dirty="0">
+                <a:ea typeface="+mn-lt"/>
+                <a:cs typeface="+mn-lt"/>
+              </a:rPr>
+              <a:t>, sea o no </a:t>
+            </a:r>
+            <a:r>
+              <a:rPr lang="en-US" err="1">
+                <a:ea typeface="+mn-lt"/>
+                <a:cs typeface="+mn-lt"/>
+              </a:rPr>
+              <a:t>su</a:t>
+            </a:r>
+            <a:r>
+              <a:rPr lang="en-US" dirty="0">
+                <a:ea typeface="+mn-lt"/>
+                <a:cs typeface="+mn-lt"/>
+              </a:rPr>
+              <a:t> </a:t>
+            </a:r>
+            <a:r>
+              <a:rPr lang="en-US" err="1">
+                <a:ea typeface="+mn-lt"/>
+                <a:cs typeface="+mn-lt"/>
+              </a:rPr>
+              <a:t>comentario</a:t>
+            </a:r>
+            <a:r>
+              <a:rPr lang="en-US" dirty="0">
+                <a:ea typeface="+mn-lt"/>
+                <a:cs typeface="+mn-lt"/>
+              </a:rPr>
+              <a:t>.</a:t>
+            </a:r>
+          </a:p>
+          <a:p>
+            <a:r>
+              <a:rPr lang="en-US" b="1" dirty="0" err="1">
+                <a:ea typeface="+mn-lt"/>
+                <a:cs typeface="+mn-lt"/>
+              </a:rPr>
+              <a:t>SP_Solucionar</a:t>
+            </a:r>
+            <a:r>
+              <a:rPr lang="en-US" b="1" dirty="0">
+                <a:ea typeface="+mn-lt"/>
+                <a:cs typeface="+mn-lt"/>
+              </a:rPr>
+              <a:t>: l</a:t>
+            </a:r>
+            <a:r>
+              <a:rPr lang="en-US" dirty="0">
+                <a:ea typeface="+mn-lt"/>
+                <a:cs typeface="+mn-lt"/>
+              </a:rPr>
+              <a:t>lama a</a:t>
+            </a:r>
+            <a:r>
+              <a:rPr lang="en-US" b="1" dirty="0">
+                <a:ea typeface="+mn-lt"/>
+                <a:cs typeface="+mn-lt"/>
+              </a:rPr>
+              <a:t> </a:t>
+            </a:r>
+            <a:r>
+              <a:rPr lang="en-US" dirty="0" err="1">
+                <a:ea typeface="+mn-lt"/>
+                <a:cs typeface="+mn-lt"/>
+              </a:rPr>
+              <a:t>SP_SolucionarTicket</a:t>
+            </a:r>
+            <a:r>
+              <a:rPr lang="en-US" dirty="0">
+                <a:ea typeface="+mn-lt"/>
+                <a:cs typeface="+mn-lt"/>
+              </a:rPr>
+              <a:t> y </a:t>
+            </a:r>
+            <a:r>
+              <a:rPr lang="en-US" dirty="0" err="1">
+                <a:ea typeface="+mn-lt"/>
+                <a:cs typeface="+mn-lt"/>
+              </a:rPr>
+              <a:t>SP_SolucionarComentario</a:t>
+            </a:r>
+            <a:r>
+              <a:rPr lang="en-US" dirty="0">
+                <a:ea typeface="+mn-lt"/>
+                <a:cs typeface="+mn-lt"/>
+              </a:rPr>
+              <a:t> para que se </a:t>
+            </a:r>
+            <a:r>
+              <a:rPr lang="en-US" dirty="0" err="1">
+                <a:ea typeface="+mn-lt"/>
+                <a:cs typeface="+mn-lt"/>
+              </a:rPr>
+              <a:t>ejecuten</a:t>
+            </a:r>
+            <a:r>
+              <a:rPr lang="en-US" dirty="0">
+                <a:ea typeface="+mn-lt"/>
+                <a:cs typeface="+mn-lt"/>
+              </a:rPr>
+              <a:t> al </a:t>
+            </a:r>
+            <a:r>
+              <a:rPr lang="en-US" dirty="0" err="1">
+                <a:ea typeface="+mn-lt"/>
+                <a:cs typeface="+mn-lt"/>
+              </a:rPr>
+              <a:t>mismo</a:t>
+            </a:r>
+            <a:r>
+              <a:rPr lang="en-US" dirty="0">
+                <a:ea typeface="+mn-lt"/>
+                <a:cs typeface="+mn-lt"/>
+              </a:rPr>
+              <a:t> </a:t>
+            </a:r>
+            <a:r>
+              <a:rPr lang="en-US" dirty="0" err="1">
+                <a:ea typeface="+mn-lt"/>
+                <a:cs typeface="+mn-lt"/>
+              </a:rPr>
+              <a:t>tiempo</a:t>
+            </a:r>
+          </a:p>
+          <a:p>
+            <a:endParaRPr lang="en-US" dirty="0"/>
+          </a:p>
+        </p:txBody>
+      </p:sp>
+    </p:spTree>
+    <p:extLst>
+      <p:ext uri="{BB962C8B-B14F-4D97-AF65-F5344CB8AC3E}">
+        <p14:creationId xmlns:p14="http://schemas.microsoft.com/office/powerpoint/2010/main" val="949422768"/>
+      </p:ext>
+    </p:extLst>
+  </p:cSld>
+  <p:clrMapOvr>
+    <a:masterClrMapping/>
+  </p:clrMapOvr>
+</p:sld>
+</file>
+
+<file path=ppt/slides/slide18.xml><?xml version="1.0" encoding="utf-8"?>
+<p:sld xmlns:a="http://schemas.openxmlformats.org/drawingml/2006/main" xmlns:r="http://schemas.openxmlformats.org/officeDocument/2006/relationships" xmlns:p="http://schemas.openxmlformats.org/presentationml/2006/main">
+  <p:cSld>
+    <p:spTree>
+      <p:nvGrpSpPr>
+        <p:cNvPr id="1" name=""/>
+        <p:cNvGrpSpPr/>
+        <p:nvPr/>
+      </p:nvGrpSpPr>
+      <p:grpSpPr>
+        <a:xfrm>
+          <a:off x="0" y="0"/>
+          <a:ext cx="0" cy="0"/>
+          <a:chOff x="0" y="0"/>
+          <a:chExt cx="0" cy="0"/>
+        </a:xfrm>
+      </p:grpSpPr>
+      <p:sp>
+        <p:nvSpPr>
           <p:cNvPr id="3" name="Content Placeholder 2">
             <a:extLst>
               <a:ext uri="{FF2B5EF4-FFF2-40B4-BE49-F238E27FC236}">
@@ -9855,7 +9913,7 @@
 </p:sld>
 </file>
 
-<file path=ppt/slides/slide18.xml><?xml version="1.0" encoding="utf-8"?>
+<file path=ppt/slides/slide19.xml><?xml version="1.0" encoding="utf-8"?>
 <p:sld xmlns:a="http://schemas.openxmlformats.org/drawingml/2006/main" xmlns:r="http://schemas.openxmlformats.org/officeDocument/2006/relationships" xmlns:p="http://schemas.openxmlformats.org/presentationml/2006/main">
   <p:cSld>
     <p:spTree>
@@ -10582,6 +10640,348 @@
     <p:extLst>
       <p:ext uri="{BB962C8B-B14F-4D97-AF65-F5344CB8AC3E}">
         <p14:creationId xmlns:p14="http://schemas.microsoft.com/office/powerpoint/2010/main" val="1963937409"/>
+      </p:ext>
+    </p:extLst>
+  </p:cSld>
+  <p:clrMapOvr>
+    <a:masterClrMapping/>
+  </p:clrMapOvr>
+</p:sld>
+</file>
+
+<file path=ppt/slides/slide20.xml><?xml version="1.0" encoding="utf-8"?>
+<p:sld xmlns:a="http://schemas.openxmlformats.org/drawingml/2006/main" xmlns:r="http://schemas.openxmlformats.org/officeDocument/2006/relationships" xmlns:p="http://schemas.openxmlformats.org/presentationml/2006/main">
+  <p:cSld>
+    <p:spTree>
+      <p:nvGrpSpPr>
+        <p:cNvPr id="1" name=""/>
+        <p:cNvGrpSpPr/>
+        <p:nvPr/>
+      </p:nvGrpSpPr>
+      <p:grpSpPr>
+        <a:xfrm>
+          <a:off x="0" y="0"/>
+          <a:ext cx="0" cy="0"/>
+          <a:chOff x="0" y="0"/>
+          <a:chExt cx="0" cy="0"/>
+        </a:xfrm>
+      </p:grpSpPr>
+      <p:sp>
+        <p:nvSpPr>
+          <p:cNvPr id="2" name="Title 1">
+            <a:extLst>
+              <a:ext uri="{FF2B5EF4-FFF2-40B4-BE49-F238E27FC236}">
+                <a16:creationId xmlns:a16="http://schemas.microsoft.com/office/drawing/2014/main" id="{6527C172-C038-C918-79DC-EE34EDC0E47A}"/>
+              </a:ext>
+            </a:extLst>
+          </p:cNvPr>
+          <p:cNvSpPr>
+            <a:spLocks noGrp="1"/>
+          </p:cNvSpPr>
+          <p:nvPr>
+            <p:ph type="title"/>
+          </p:nvPr>
+        </p:nvSpPr>
+        <p:spPr/>
+        <p:txBody>
+          <a:bodyPr/>
+          <a:lstStyle/>
+          <a:p>
+            <a:r>
+              <a:rPr lang="en-US" sz="2200" dirty="0" err="1"/>
+              <a:t>Tecnologia</a:t>
+            </a:r>
+            <a:r>
+              <a:rPr lang="en-US" sz="2200" dirty="0"/>
+              <a:t> </a:t>
+            </a:r>
+            <a:r>
+              <a:rPr lang="en-US" sz="2200" dirty="0" err="1"/>
+              <a:t>utilizada</a:t>
+            </a:r>
+            <a:r>
+              <a:rPr lang="en-US" sz="2200" dirty="0"/>
+              <a:t>:</a:t>
+            </a:r>
+          </a:p>
+        </p:txBody>
+      </p:sp>
+      <p:sp>
+        <p:nvSpPr>
+          <p:cNvPr id="3" name="Content Placeholder 2">
+            <a:extLst>
+              <a:ext uri="{FF2B5EF4-FFF2-40B4-BE49-F238E27FC236}">
+                <a16:creationId xmlns:a16="http://schemas.microsoft.com/office/drawing/2014/main" id="{97ECB3CC-2679-EEC6-9CE1-F07FDBEC9BD8}"/>
+              </a:ext>
+            </a:extLst>
+          </p:cNvPr>
+          <p:cNvSpPr>
+            <a:spLocks noGrp="1"/>
+          </p:cNvSpPr>
+          <p:nvPr>
+            <p:ph idx="1"/>
+          </p:nvPr>
+        </p:nvSpPr>
+        <p:spPr>
+          <a:xfrm>
+            <a:off x="1587710" y="1225488"/>
+            <a:ext cx="9486690" cy="489964"/>
+          </a:xfrm>
+        </p:spPr>
+        <p:txBody>
+          <a:bodyPr vert="horz" lIns="91440" tIns="45720" rIns="91440" bIns="45720" rtlCol="0" anchor="t">
+            <a:normAutofit fontScale="85000" lnSpcReduction="10000"/>
+          </a:bodyPr>
+          <a:lstStyle/>
+          <a:p>
+            <a:pPr marL="0" indent="0">
+              <a:buNone/>
+            </a:pPr>
+            <a:r>
+              <a:rPr lang="en-US" dirty="0"/>
+              <a:t>MySQL Workbench 8.0 Community Version 8.0.33 para script y </a:t>
+            </a:r>
+            <a:r>
+              <a:rPr lang="en-US" dirty="0" err="1"/>
+              <a:t>desarrollo</a:t>
+            </a:r>
+            <a:r>
+              <a:rPr lang="en-US" dirty="0"/>
+              <a:t> de </a:t>
+            </a:r>
+            <a:r>
+              <a:rPr lang="en-US" dirty="0" err="1"/>
+              <a:t>bbdd</a:t>
+            </a:r>
+          </a:p>
+        </p:txBody>
+      </p:sp>
+      <p:pic>
+        <p:nvPicPr>
+          <p:cNvPr id="4" name="Picture 3">
+            <a:extLst>
+              <a:ext uri="{FF2B5EF4-FFF2-40B4-BE49-F238E27FC236}">
+                <a16:creationId xmlns:a16="http://schemas.microsoft.com/office/drawing/2014/main" id="{654D82FF-7DBE-9EF4-509D-16661B9E60D3}"/>
+              </a:ext>
+            </a:extLst>
+          </p:cNvPr>
+          <p:cNvPicPr>
+            <a:picLocks noChangeAspect="1"/>
+          </p:cNvPicPr>
+          <p:nvPr/>
+        </p:nvPicPr>
+        <p:blipFill>
+          <a:blip r:embed="rId2"/>
+          <a:stretch>
+            <a:fillRect/>
+          </a:stretch>
+        </p:blipFill>
+        <p:spPr>
+          <a:xfrm>
+            <a:off x="1590136" y="1712832"/>
+            <a:ext cx="8522898" cy="4941960"/>
+          </a:xfrm>
+          <a:prstGeom prst="rect">
+            <a:avLst/>
+          </a:prstGeom>
+        </p:spPr>
+      </p:pic>
+    </p:spTree>
+    <p:extLst>
+      <p:ext uri="{BB962C8B-B14F-4D97-AF65-F5344CB8AC3E}">
+        <p14:creationId xmlns:p14="http://schemas.microsoft.com/office/powerpoint/2010/main" val="2731496586"/>
+      </p:ext>
+    </p:extLst>
+  </p:cSld>
+  <p:clrMapOvr>
+    <a:masterClrMapping/>
+  </p:clrMapOvr>
+</p:sld>
+</file>
+
+<file path=ppt/slides/slide21.xml><?xml version="1.0" encoding="utf-8"?>
+<p:sld xmlns:a="http://schemas.openxmlformats.org/drawingml/2006/main" xmlns:r="http://schemas.openxmlformats.org/officeDocument/2006/relationships" xmlns:p="http://schemas.openxmlformats.org/presentationml/2006/main">
+  <p:cSld>
+    <p:spTree>
+      <p:nvGrpSpPr>
+        <p:cNvPr id="1" name=""/>
+        <p:cNvGrpSpPr/>
+        <p:nvPr/>
+      </p:nvGrpSpPr>
+      <p:grpSpPr>
+        <a:xfrm>
+          <a:off x="0" y="0"/>
+          <a:ext cx="0" cy="0"/>
+          <a:chOff x="0" y="0"/>
+          <a:chExt cx="0" cy="0"/>
+        </a:xfrm>
+      </p:grpSpPr>
+      <p:sp>
+        <p:nvSpPr>
+          <p:cNvPr id="2" name="Title 1">
+            <a:extLst>
+              <a:ext uri="{FF2B5EF4-FFF2-40B4-BE49-F238E27FC236}">
+                <a16:creationId xmlns:a16="http://schemas.microsoft.com/office/drawing/2014/main" id="{30F99044-7A74-4F72-E827-4666D70A624A}"/>
+              </a:ext>
+            </a:extLst>
+          </p:cNvPr>
+          <p:cNvSpPr>
+            <a:spLocks noGrp="1"/>
+          </p:cNvSpPr>
+          <p:nvPr>
+            <p:ph type="title"/>
+          </p:nvPr>
+        </p:nvSpPr>
+        <p:spPr/>
+        <p:txBody>
+          <a:bodyPr/>
+          <a:lstStyle/>
+          <a:p>
+            <a:r>
+              <a:rPr lang="en-US" sz="2200" err="1"/>
+              <a:t>Modelos</a:t>
+            </a:r>
+            <a:r>
+              <a:rPr lang="en-US" sz="2200" dirty="0"/>
+              <a:t> DER, vistas e </a:t>
+            </a:r>
+            <a:r>
+              <a:rPr lang="en-US" sz="2200" err="1"/>
+              <a:t>imagenes</a:t>
+            </a:r>
+            <a:r>
+              <a:rPr lang="en-US" sz="2200" dirty="0"/>
+              <a:t> de </a:t>
+            </a:r>
+            <a:r>
+              <a:rPr lang="en-US" sz="2200" err="1"/>
+              <a:t>tablas</a:t>
+            </a:r>
+            <a:endParaRPr lang="en-US" sz="2200"/>
+          </a:p>
+        </p:txBody>
+      </p:sp>
+      <p:sp>
+        <p:nvSpPr>
+          <p:cNvPr id="3" name="Content Placeholder 2">
+            <a:extLst>
+              <a:ext uri="{FF2B5EF4-FFF2-40B4-BE49-F238E27FC236}">
+                <a16:creationId xmlns:a16="http://schemas.microsoft.com/office/drawing/2014/main" id="{5DD9A8A7-E56B-9166-35B7-8BC87177C1D8}"/>
+              </a:ext>
+            </a:extLst>
+          </p:cNvPr>
+          <p:cNvSpPr>
+            <a:spLocks noGrp="1"/>
+          </p:cNvSpPr>
+          <p:nvPr>
+            <p:ph idx="1"/>
+          </p:nvPr>
+        </p:nvSpPr>
+        <p:spPr/>
+        <p:txBody>
+          <a:bodyPr vert="horz" lIns="91440" tIns="45720" rIns="91440" bIns="45720" rtlCol="0" anchor="t">
+            <a:normAutofit/>
+          </a:bodyPr>
+          <a:lstStyle/>
+          <a:p>
+            <a:pPr marL="0" indent="0">
+              <a:buNone/>
+            </a:pPr>
+            <a:r>
+              <a:rPr lang="en-US" dirty="0" err="1"/>
+              <a:t>Graficos</a:t>
+            </a:r>
+            <a:r>
+              <a:rPr lang="en-US" dirty="0"/>
+              <a:t> de vistas </a:t>
+            </a:r>
+            <a:r>
+              <a:rPr lang="en-US" dirty="0" err="1"/>
+              <a:t>en</a:t>
+            </a:r>
+            <a:r>
+              <a:rPr lang="en-US" dirty="0"/>
+              <a:t> Power BI</a:t>
+            </a:r>
+          </a:p>
+          <a:p>
+            <a:pPr marL="0" indent="0">
+              <a:buNone/>
+            </a:pPr>
+            <a:r>
+              <a:rPr lang="en-US" dirty="0" err="1"/>
+              <a:t>Diagramas</a:t>
+            </a:r>
+            <a:r>
+              <a:rPr lang="en-US" dirty="0"/>
+              <a:t>: "</a:t>
+            </a:r>
+            <a:r>
+              <a:rPr lang="en-US" dirty="0" err="1"/>
+              <a:t>Tecnologia</a:t>
+            </a:r>
+            <a:r>
+              <a:rPr lang="en-US" dirty="0"/>
+              <a:t> </a:t>
+            </a:r>
+            <a:r>
+              <a:rPr lang="en-US" dirty="0" err="1"/>
+              <a:t>inversa</a:t>
+            </a:r>
+            <a:r>
+              <a:rPr lang="en-US" dirty="0"/>
+              <a:t>" </a:t>
+            </a:r>
+            <a:r>
+              <a:rPr lang="en-US" dirty="0" err="1"/>
+              <a:t>en</a:t>
+            </a:r>
+            <a:r>
+              <a:rPr lang="en-US" dirty="0"/>
+              <a:t> MySQL Workbench </a:t>
+            </a:r>
+            <a:r>
+              <a:rPr lang="en-US" dirty="0">
+                <a:ea typeface="+mn-lt"/>
+                <a:cs typeface="+mn-lt"/>
+              </a:rPr>
+              <a:t>y draw.io</a:t>
+            </a:r>
+            <a:endParaRPr lang="en-US" dirty="0"/>
+          </a:p>
+          <a:p>
+            <a:pPr marL="0" indent="0">
+              <a:buNone/>
+            </a:pPr>
+            <a:r>
+              <a:rPr lang="en-US" dirty="0" err="1"/>
+              <a:t>Tablas</a:t>
+            </a:r>
+            <a:r>
+              <a:rPr lang="en-US" dirty="0"/>
+              <a:t> de </a:t>
+            </a:r>
+            <a:r>
+              <a:rPr lang="en-US" dirty="0" err="1"/>
+              <a:t>diapositiva</a:t>
+            </a:r>
+            <a:r>
+              <a:rPr lang="en-US" dirty="0"/>
+              <a:t> del 8 al 11: excel.</a:t>
+            </a:r>
+          </a:p>
+          <a:p>
+            <a:pPr marL="0" indent="0">
+              <a:buNone/>
+            </a:pPr>
+            <a:endParaRPr lang="en-US" dirty="0"/>
+          </a:p>
+        </p:txBody>
+      </p:sp>
+    </p:spTree>
+    <p:extLst>
+      <p:ext uri="{BB962C8B-B14F-4D97-AF65-F5344CB8AC3E}">
+        <p14:creationId xmlns:p14="http://schemas.microsoft.com/office/powerpoint/2010/main" val="581222178"/>
       </p:ext>
     </p:extLst>
   </p:cSld>
@@ -11526,6 +11926,186 @@
           <a:chExt cx="0" cy="0"/>
         </a:xfrm>
       </p:grpSpPr>
+      <p:sp>
+        <p:nvSpPr>
+          <p:cNvPr id="2" name="Title 1">
+            <a:extLst>
+              <a:ext uri="{FF2B5EF4-FFF2-40B4-BE49-F238E27FC236}">
+                <a16:creationId xmlns:a16="http://schemas.microsoft.com/office/drawing/2014/main" id="{6FC3E081-6423-C829-60F2-873F3C4B9033}"/>
+              </a:ext>
+            </a:extLst>
+          </p:cNvPr>
+          <p:cNvSpPr>
+            <a:spLocks noGrp="1"/>
+          </p:cNvSpPr>
+          <p:nvPr>
+            <p:ph type="title"/>
+          </p:nvPr>
+        </p:nvSpPr>
+        <p:spPr/>
+        <p:txBody>
+          <a:bodyPr/>
+          <a:lstStyle/>
+          <a:p>
+            <a:endParaRPr lang="en-US"/>
+          </a:p>
+        </p:txBody>
+      </p:sp>
+      <p:pic>
+        <p:nvPicPr>
+          <p:cNvPr id="7" name="Content Placeholder 6">
+            <a:extLst>
+              <a:ext uri="{FF2B5EF4-FFF2-40B4-BE49-F238E27FC236}">
+                <a16:creationId xmlns:a16="http://schemas.microsoft.com/office/drawing/2014/main" id="{2BCAAC2A-1098-BDE7-3030-07C59B21C17C}"/>
+              </a:ext>
+            </a:extLst>
+          </p:cNvPr>
+          <p:cNvPicPr>
+            <a:picLocks noGrp="1" noChangeAspect="1"/>
+          </p:cNvPicPr>
+          <p:nvPr>
+            <p:ph idx="1"/>
+          </p:nvPr>
+        </p:nvPicPr>
+        <p:blipFill>
+          <a:blip r:embed="rId2"/>
+          <a:stretch>
+            <a:fillRect/>
+          </a:stretch>
+        </p:blipFill>
+        <p:spPr>
+          <a:xfrm>
+            <a:off x="1118965" y="3413"/>
+            <a:ext cx="11071160" cy="6859132"/>
+          </a:xfrm>
+        </p:spPr>
+      </p:pic>
+    </p:spTree>
+    <p:extLst>
+      <p:ext uri="{BB962C8B-B14F-4D97-AF65-F5344CB8AC3E}">
+        <p14:creationId xmlns:p14="http://schemas.microsoft.com/office/powerpoint/2010/main" val="2830369565"/>
+      </p:ext>
+    </p:extLst>
+  </p:cSld>
+  <p:clrMapOvr>
+    <a:masterClrMapping/>
+  </p:clrMapOvr>
+</p:sld>
+</file>
+
+<file path=ppt/slides/slide7.xml><?xml version="1.0" encoding="utf-8"?>
+<p:sld xmlns:a="http://schemas.openxmlformats.org/drawingml/2006/main" xmlns:r="http://schemas.openxmlformats.org/officeDocument/2006/relationships" xmlns:p="http://schemas.openxmlformats.org/presentationml/2006/main">
+  <p:cSld>
+    <p:spTree>
+      <p:nvGrpSpPr>
+        <p:cNvPr id="1" name=""/>
+        <p:cNvGrpSpPr/>
+        <p:nvPr/>
+      </p:nvGrpSpPr>
+      <p:grpSpPr>
+        <a:xfrm>
+          <a:off x="0" y="0"/>
+          <a:ext cx="0" cy="0"/>
+          <a:chOff x="0" y="0"/>
+          <a:chExt cx="0" cy="0"/>
+        </a:xfrm>
+      </p:grpSpPr>
+      <p:sp>
+        <p:nvSpPr>
+          <p:cNvPr id="2" name="Title 1">
+            <a:extLst>
+              <a:ext uri="{FF2B5EF4-FFF2-40B4-BE49-F238E27FC236}">
+                <a16:creationId xmlns:a16="http://schemas.microsoft.com/office/drawing/2014/main" id="{0174C167-08B5-E303-DC45-5575284BA9D2}"/>
+              </a:ext>
+            </a:extLst>
+          </p:cNvPr>
+          <p:cNvSpPr>
+            <a:spLocks noGrp="1"/>
+          </p:cNvSpPr>
+          <p:nvPr>
+            <p:ph type="title"/>
+          </p:nvPr>
+        </p:nvSpPr>
+        <p:spPr>
+          <a:xfrm>
+            <a:off x="1587710" y="455362"/>
+            <a:ext cx="9486690" cy="759665"/>
+          </a:xfrm>
+        </p:spPr>
+        <p:txBody>
+          <a:bodyPr/>
+          <a:lstStyle/>
+          <a:p>
+            <a:r>
+              <a:rPr lang="en-US" sz="2200" dirty="0" err="1"/>
+              <a:t>Tablas</a:t>
+            </a:r>
+            <a:r>
+              <a:rPr lang="en-US" sz="2200" dirty="0"/>
+              <a:t> log</a:t>
+            </a:r>
+          </a:p>
+        </p:txBody>
+      </p:sp>
+      <p:pic>
+        <p:nvPicPr>
+          <p:cNvPr id="4" name="Content Placeholder 3">
+            <a:extLst>
+              <a:ext uri="{FF2B5EF4-FFF2-40B4-BE49-F238E27FC236}">
+                <a16:creationId xmlns:a16="http://schemas.microsoft.com/office/drawing/2014/main" id="{51AE01DB-BC8A-7E54-8D79-2756A3A8A743}"/>
+              </a:ext>
+            </a:extLst>
+          </p:cNvPr>
+          <p:cNvPicPr>
+            <a:picLocks noGrp="1" noChangeAspect="1"/>
+          </p:cNvPicPr>
+          <p:nvPr>
+            <p:ph idx="1"/>
+          </p:nvPr>
+        </p:nvPicPr>
+        <p:blipFill>
+          <a:blip r:embed="rId2"/>
+          <a:stretch>
+            <a:fillRect/>
+          </a:stretch>
+        </p:blipFill>
+        <p:spPr>
+          <a:xfrm>
+            <a:off x="1884322" y="1398016"/>
+            <a:ext cx="9482936" cy="5234492"/>
+          </a:xfrm>
+        </p:spPr>
+      </p:pic>
+    </p:spTree>
+    <p:extLst>
+      <p:ext uri="{BB962C8B-B14F-4D97-AF65-F5344CB8AC3E}">
+        <p14:creationId xmlns:p14="http://schemas.microsoft.com/office/powerpoint/2010/main" val="153961887"/>
+      </p:ext>
+    </p:extLst>
+  </p:cSld>
+  <p:clrMapOvr>
+    <a:masterClrMapping/>
+  </p:clrMapOvr>
+</p:sld>
+</file>
+
+<file path=ppt/slides/slide8.xml><?xml version="1.0" encoding="utf-8"?>
+<p:sld xmlns:a="http://schemas.openxmlformats.org/drawingml/2006/main" xmlns:r="http://schemas.openxmlformats.org/officeDocument/2006/relationships" xmlns:p="http://schemas.openxmlformats.org/presentationml/2006/main">
+  <p:cSld>
+    <p:spTree>
+      <p:nvGrpSpPr>
+        <p:cNvPr id="1" name=""/>
+        <p:cNvGrpSpPr/>
+        <p:nvPr/>
+      </p:nvGrpSpPr>
+      <p:grpSpPr>
+        <a:xfrm>
+          <a:off x="0" y="0"/>
+          <a:ext cx="0" cy="0"/>
+          <a:chOff x="0" y="0"/>
+          <a:chExt cx="0" cy="0"/>
+        </a:xfrm>
+      </p:grpSpPr>
       <p:pic>
         <p:nvPicPr>
           <p:cNvPr id="6" name="Content Placeholder 5">
@@ -11641,7 +12221,7 @@
 </p:sld>
 </file>
 
-<file path=ppt/slides/slide7.xml><?xml version="1.0" encoding="utf-8"?>
+<file path=ppt/slides/slide9.xml><?xml version="1.0" encoding="utf-8"?>
 <p:sld xmlns:a="http://schemas.openxmlformats.org/drawingml/2006/main" xmlns:r="http://schemas.openxmlformats.org/officeDocument/2006/relationships" xmlns:p="http://schemas.openxmlformats.org/presentationml/2006/main">
   <p:cSld>
     <p:spTree>
@@ -11721,156 +12301,6 @@
     <p:extLst>
       <p:ext uri="{BB962C8B-B14F-4D97-AF65-F5344CB8AC3E}">
         <p14:creationId xmlns:p14="http://schemas.microsoft.com/office/powerpoint/2010/main" val="1369297118"/>
-      </p:ext>
-    </p:extLst>
-  </p:cSld>
-  <p:clrMapOvr>
-    <a:masterClrMapping/>
-  </p:clrMapOvr>
-</p:sld>
-</file>
-
-<file path=ppt/slides/slide8.xml><?xml version="1.0" encoding="utf-8"?>
-<p:sld xmlns:a="http://schemas.openxmlformats.org/drawingml/2006/main" xmlns:r="http://schemas.openxmlformats.org/officeDocument/2006/relationships" xmlns:p="http://schemas.openxmlformats.org/presentationml/2006/main">
-  <p:cSld>
-    <p:spTree>
-      <p:nvGrpSpPr>
-        <p:cNvPr id="1" name=""/>
-        <p:cNvGrpSpPr/>
-        <p:nvPr/>
-      </p:nvGrpSpPr>
-      <p:grpSpPr>
-        <a:xfrm>
-          <a:off x="0" y="0"/>
-          <a:ext cx="0" cy="0"/>
-          <a:chOff x="0" y="0"/>
-          <a:chExt cx="0" cy="0"/>
-        </a:xfrm>
-      </p:grpSpPr>
-      <p:pic>
-        <p:nvPicPr>
-          <p:cNvPr id="4" name="Picture 3">
-            <a:extLst>
-              <a:ext uri="{FF2B5EF4-FFF2-40B4-BE49-F238E27FC236}">
-                <a16:creationId xmlns:a16="http://schemas.microsoft.com/office/drawing/2014/main" id="{DBFF2B02-7E13-5774-15EE-9811F77A1FAE}"/>
-              </a:ext>
-            </a:extLst>
-          </p:cNvPr>
-          <p:cNvPicPr>
-            <a:picLocks noChangeAspect="1"/>
-          </p:cNvPicPr>
-          <p:nvPr/>
-        </p:nvPicPr>
-        <p:blipFill>
-          <a:blip r:embed="rId2"/>
-          <a:stretch>
-            <a:fillRect/>
-          </a:stretch>
-        </p:blipFill>
-        <p:spPr>
-          <a:xfrm>
-            <a:off x="1446362" y="142018"/>
-            <a:ext cx="10564482" cy="3382191"/>
-          </a:xfrm>
-          <a:prstGeom prst="rect">
-            <a:avLst/>
-          </a:prstGeom>
-        </p:spPr>
-      </p:pic>
-      <p:pic>
-        <p:nvPicPr>
-          <p:cNvPr id="5" name="Picture 4">
-            <a:extLst>
-              <a:ext uri="{FF2B5EF4-FFF2-40B4-BE49-F238E27FC236}">
-                <a16:creationId xmlns:a16="http://schemas.microsoft.com/office/drawing/2014/main" id="{FA666582-DF92-5873-9BD7-20DD6292FECE}"/>
-              </a:ext>
-            </a:extLst>
-          </p:cNvPr>
-          <p:cNvPicPr>
-            <a:picLocks noChangeAspect="1"/>
-          </p:cNvPicPr>
-          <p:nvPr/>
-        </p:nvPicPr>
-        <p:blipFill>
-          <a:blip r:embed="rId3"/>
-          <a:stretch>
-            <a:fillRect/>
-          </a:stretch>
-        </p:blipFill>
-        <p:spPr>
-          <a:xfrm>
-            <a:off x="1446362" y="3628329"/>
-            <a:ext cx="10564482" cy="3123794"/>
-          </a:xfrm>
-          <a:prstGeom prst="rect">
-            <a:avLst/>
-          </a:prstGeom>
-        </p:spPr>
-      </p:pic>
-    </p:spTree>
-    <p:extLst>
-      <p:ext uri="{BB962C8B-B14F-4D97-AF65-F5344CB8AC3E}">
-        <p14:creationId xmlns:p14="http://schemas.microsoft.com/office/powerpoint/2010/main" val="4116759121"/>
-      </p:ext>
-    </p:extLst>
-  </p:cSld>
-  <p:clrMapOvr>
-    <a:masterClrMapping/>
-  </p:clrMapOvr>
-</p:sld>
-</file>
-
-<file path=ppt/slides/slide9.xml><?xml version="1.0" encoding="utf-8"?>
-<p:sld xmlns:a="http://schemas.openxmlformats.org/drawingml/2006/main" xmlns:r="http://schemas.openxmlformats.org/officeDocument/2006/relationships" xmlns:p="http://schemas.openxmlformats.org/presentationml/2006/main">
-  <p:cSld>
-    <p:spTree>
-      <p:nvGrpSpPr>
-        <p:cNvPr id="1" name=""/>
-        <p:cNvGrpSpPr/>
-        <p:nvPr/>
-      </p:nvGrpSpPr>
-      <p:grpSpPr>
-        <a:xfrm>
-          <a:off x="0" y="0"/>
-          <a:ext cx="0" cy="0"/>
-          <a:chOff x="0" y="0"/>
-          <a:chExt cx="0" cy="0"/>
-        </a:xfrm>
-      </p:grpSpPr>
-      <p:pic>
-        <p:nvPicPr>
-          <p:cNvPr id="4" name="Picture 3">
-            <a:extLst>
-              <a:ext uri="{FF2B5EF4-FFF2-40B4-BE49-F238E27FC236}">
-                <a16:creationId xmlns:a16="http://schemas.microsoft.com/office/drawing/2014/main" id="{1E0965E8-6A0E-1925-3A3C-5E6FB0CA347E}"/>
-              </a:ext>
-            </a:extLst>
-          </p:cNvPr>
-          <p:cNvPicPr>
-            <a:picLocks noChangeAspect="1"/>
-          </p:cNvPicPr>
-          <p:nvPr/>
-        </p:nvPicPr>
-        <p:blipFill>
-          <a:blip r:embed="rId2"/>
-          <a:stretch>
-            <a:fillRect/>
-          </a:stretch>
-        </p:blipFill>
-        <p:spPr>
-          <a:xfrm>
-            <a:off x="1245079" y="433780"/>
-            <a:ext cx="10794520" cy="6306740"/>
-          </a:xfrm>
-          <a:prstGeom prst="rect">
-            <a:avLst/>
-          </a:prstGeom>
-        </p:spPr>
-      </p:pic>
-    </p:spTree>
-    <p:extLst>
-      <p:ext uri="{BB962C8B-B14F-4D97-AF65-F5344CB8AC3E}">
-        <p14:creationId xmlns:p14="http://schemas.microsoft.com/office/powerpoint/2010/main" val="1686940028"/>
       </p:ext>
     </p:extLst>
   </p:cSld>
